--- a/PPT/每次课PPT/05 线程-1.pptx
+++ b/PPT/每次课PPT/05 线程-1.pptx
@@ -259,7 +259,7 @@
             <a:fld id="{1AA66804-583B-42BE-962B-441699487C40}" type="datetimeFigureOut">
               <a:rPr lang="zh-CN" altLang="en-US" smtClean="0"/>
               <a:pPr/>
-              <a:t>2017-09-30</a:t>
+              <a:t>2018/9/27</a:t>
             </a:fld>
             <a:endParaRPr lang="zh-CN" altLang="en-US"/>
           </a:p>
@@ -503,7 +503,7 @@
             <a:fld id="{B9EEDA17-7CE7-49CA-897E-A1888A19DA62}" type="datetimeFigureOut">
               <a:rPr lang="zh-CN" altLang="en-US"/>
               <a:pPr/>
-              <a:t>2017-09-30</a:t>
+              <a:t>2018/9/27</a:t>
             </a:fld>
             <a:endParaRPr lang="en-US"/>
           </a:p>
@@ -14253,6 +14253,60 @@
           </a:extLst>
         </p:spPr>
       </p:pic>
+      <p:sp>
+        <p:nvSpPr>
+          <p:cNvPr id="9" name="矩形 8"/>
+          <p:cNvSpPr/>
+          <p:nvPr/>
+        </p:nvSpPr>
+        <p:spPr bwMode="auto">
+          <a:xfrm>
+            <a:off x="7538541" y="4908002"/>
+            <a:ext cx="2304256" cy="421654"/>
+          </a:xfrm>
+          <a:prstGeom prst="rect">
+            <a:avLst/>
+          </a:prstGeom>
+          <a:noFill/>
+          <a:ln w="9525" cap="flat" cmpd="sng" algn="ctr">
+            <a:noFill/>
+            <a:prstDash val="solid"/>
+            <a:round/>
+            <a:headEnd type="none" w="med" len="med"/>
+            <a:tailEnd type="none" w="med" len="med"/>
+          </a:ln>
+          <a:effectLst/>
+          <a:extLst/>
+        </p:spPr>
+        <p:txBody>
+          <a:bodyPr vert="horz" wrap="square" lIns="91440" tIns="45720" rIns="91440" bIns="45720" numCol="1" rtlCol="0" anchor="t" anchorCtr="0" compatLnSpc="1">
+            <a:prstTxWarp prst="textNoShape">
+              <a:avLst/>
+            </a:prstTxWarp>
+          </a:bodyPr>
+          <a:lstStyle/>
+          <a:p>
+            <a:pPr algn="ctr"/>
+            <a:r>
+              <a:rPr lang="zh-CN" altLang="en-US" sz="2000" i="1" dirty="0" smtClean="0">
+                <a:solidFill>
+                  <a:srgbClr val="FF0000"/>
+                </a:solidFill>
+                <a:latin typeface="微软雅黑"/>
+                <a:ea typeface="微软雅黑"/>
+              </a:rPr>
+              <a:t>卖的票数一样吗？</a:t>
+            </a:r>
+            <a:endParaRPr lang="zh-CN" altLang="en-US" sz="2000" i="1" dirty="0" smtClean="0">
+              <a:solidFill>
+                <a:srgbClr val="FF0000"/>
+              </a:solidFill>
+              <a:latin typeface="微软雅黑"/>
+              <a:ea typeface="微软雅黑"/>
+            </a:endParaRPr>
+          </a:p>
+        </p:txBody>
+      </p:sp>
     </p:spTree>
     <p:extLst>
       <p:ext uri="{BB962C8B-B14F-4D97-AF65-F5344CB8AC3E}">
@@ -14499,6 +14553,50 @@
                             </p:childTnLst>
                           </p:cTn>
                         </p:par>
+                        <p:par>
+                          <p:cTn id="19" fill="hold">
+                            <p:stCondLst>
+                              <p:cond delay="1800"/>
+                            </p:stCondLst>
+                            <p:childTnLst>
+                              <p:par>
+                                <p:cTn id="20" presetID="22" presetClass="entr" presetSubtype="2" fill="hold" grpId="0" nodeType="afterEffect">
+                                  <p:stCondLst>
+                                    <p:cond delay="0"/>
+                                  </p:stCondLst>
+                                  <p:childTnLst>
+                                    <p:set>
+                                      <p:cBhvr>
+                                        <p:cTn id="21" dur="1" fill="hold">
+                                          <p:stCondLst>
+                                            <p:cond delay="0"/>
+                                          </p:stCondLst>
+                                        </p:cTn>
+                                        <p:tgtEl>
+                                          <p:spTgt spid="9"/>
+                                        </p:tgtEl>
+                                        <p:attrNameLst>
+                                          <p:attrName>style.visibility</p:attrName>
+                                        </p:attrNameLst>
+                                      </p:cBhvr>
+                                      <p:to>
+                                        <p:strVal val="visible"/>
+                                      </p:to>
+                                    </p:set>
+                                    <p:animEffect transition="in" filter="wipe(right)">
+                                      <p:cBhvr>
+                                        <p:cTn id="22" dur="500"/>
+                                        <p:tgtEl>
+                                          <p:spTgt spid="9"/>
+                                        </p:tgtEl>
+                                      </p:cBhvr>
+                                    </p:animEffect>
+                                  </p:childTnLst>
+                                </p:cTn>
+                              </p:par>
+                            </p:childTnLst>
+                          </p:cTn>
+                        </p:par>
                       </p:childTnLst>
                     </p:cTn>
                   </p:par>
@@ -14526,6 +14624,7 @@
     <p:bldLst>
       <p:bldP spid="27" grpId="0" animBg="1"/>
       <p:bldP spid="6" grpId="0" animBg="1"/>
+      <p:bldP spid="9" grpId="0"/>
     </p:bldLst>
   </p:timing>
 </p:sld>
@@ -14611,7 +14710,7 @@
         <p:spPr>
           <a:xfrm>
             <a:off x="434670" y="174412"/>
-            <a:ext cx="1313180" cy="430887"/>
+            <a:ext cx="2441694" cy="430887"/>
           </a:xfrm>
           <a:prstGeom prst="rect">
             <a:avLst/>
@@ -14635,7 +14734,20 @@
                 <a:latin typeface="微软雅黑"/>
                 <a:ea typeface="微软雅黑"/>
               </a:rPr>
-              <a:t>后台线程</a:t>
+              <a:t>后台</a:t>
+            </a:r>
+            <a:r>
+              <a:rPr lang="zh-CN" altLang="en-US" sz="2200" dirty="0" smtClean="0">
+                <a:solidFill>
+                  <a:srgbClr val="C2C1C1">
+                    <a:lumMod val="20000"/>
+                    <a:lumOff val="80000"/>
+                  </a:srgbClr>
+                </a:solidFill>
+                <a:latin typeface="微软雅黑"/>
+                <a:ea typeface="微软雅黑"/>
+              </a:rPr>
+              <a:t>线程（了解）</a:t>
             </a:r>
             <a:endParaRPr lang="zh-CN" altLang="en-US" sz="2200" dirty="0">
               <a:solidFill>
@@ -14701,8 +14813,8 @@
         </p:nvSpPr>
         <p:spPr bwMode="auto">
           <a:xfrm>
-            <a:off x="1154600" y="2913050"/>
-            <a:ext cx="10335713" cy="648072"/>
+            <a:off x="1091260" y="2492896"/>
+            <a:ext cx="10335713" cy="1596070"/>
           </a:xfrm>
           <a:prstGeom prst="rect">
             <a:avLst/>
@@ -14737,7 +14849,57 @@
                 <a:latin typeface="微软雅黑"/>
                 <a:ea typeface="微软雅黑"/>
               </a:rPr>
-              <a:t>方法：</a:t>
+              <a:t>默认新建线程为前台线程</a:t>
+            </a:r>
+            <a:endParaRPr lang="en-US" altLang="zh-CN" sz="3200" dirty="0" smtClean="0">
+              <a:solidFill>
+                <a:srgbClr val="F8F8F8"/>
+              </a:solidFill>
+              <a:latin typeface="微软雅黑"/>
+              <a:ea typeface="微软雅黑"/>
+            </a:endParaRPr>
+          </a:p>
+          <a:p>
+            <a:pPr algn="ctr"/>
+            <a:r>
+              <a:rPr lang="zh-CN" altLang="en-US" sz="3200" dirty="0" smtClean="0">
+                <a:solidFill>
+                  <a:srgbClr val="F8F8F8"/>
+                </a:solidFill>
+                <a:latin typeface="微软雅黑"/>
+                <a:ea typeface="微软雅黑"/>
+              </a:rPr>
+              <a:t>前台线程不结束，进程就不会结束</a:t>
+            </a:r>
+            <a:endParaRPr lang="en-US" altLang="zh-CN" sz="3200" dirty="0" smtClean="0">
+              <a:solidFill>
+                <a:srgbClr val="F8F8F8"/>
+              </a:solidFill>
+              <a:latin typeface="微软雅黑"/>
+              <a:ea typeface="微软雅黑"/>
+            </a:endParaRPr>
+          </a:p>
+          <a:p>
+            <a:pPr algn="ctr"/>
+            <a:r>
+              <a:rPr lang="zh-CN" altLang="en-US" sz="3200" dirty="0" smtClean="0">
+                <a:solidFill>
+                  <a:srgbClr val="F8F8F8"/>
+                </a:solidFill>
+                <a:latin typeface="微软雅黑"/>
+                <a:ea typeface="微软雅黑"/>
+              </a:rPr>
+              <a:t>想成为后台线程的方法</a:t>
+            </a:r>
+            <a:r>
+              <a:rPr lang="zh-CN" altLang="en-US" sz="3200" dirty="0" smtClean="0">
+                <a:solidFill>
+                  <a:srgbClr val="F8F8F8"/>
+                </a:solidFill>
+                <a:latin typeface="微软雅黑"/>
+                <a:ea typeface="微软雅黑"/>
+              </a:rPr>
+              <a:t>：</a:t>
             </a:r>
             <a:r>
               <a:rPr lang="en-US" altLang="zh-CN" sz="3200" dirty="0" err="1" smtClean="0">
@@ -15048,7 +15210,7 @@
                         <p:par>
                           <p:cTn id="17" fill="hold">
                             <p:stCondLst>
-                              <p:cond delay="820"/>
+                              <p:cond delay="980"/>
                             </p:stCondLst>
                             <p:childTnLst>
                               <p:par>
@@ -15740,20 +15902,7 @@
                 <a:latin typeface="微软雅黑"/>
                 <a:ea typeface="微软雅黑"/>
               </a:rPr>
-              <a:t>线程生命周期及状态</a:t>
-            </a:r>
-            <a:r>
-              <a:rPr lang="zh-CN" altLang="en-US" sz="2200" dirty="0" smtClean="0">
-                <a:solidFill>
-                  <a:srgbClr val="C2C1C1">
-                    <a:lumMod val="20000"/>
-                    <a:lumOff val="80000"/>
-                  </a:srgbClr>
-                </a:solidFill>
-                <a:latin typeface="微软雅黑"/>
-                <a:ea typeface="微软雅黑"/>
-              </a:rPr>
-              <a:t>转换（英文详细版）</a:t>
+              <a:t>线程生命周期及状态转换（英文详细版）</a:t>
             </a:r>
             <a:endParaRPr lang="zh-CN" altLang="en-US" sz="2200" dirty="0">
               <a:solidFill>

--- a/PPT/每次课PPT/05 线程-1.pptx
+++ b/PPT/每次课PPT/05 线程-1.pptx
@@ -5,41 +5,42 @@
     <p:sldMasterId id="2147483672" r:id="rId1"/>
   </p:sldMasterIdLst>
   <p:notesMasterIdLst>
-    <p:notesMasterId r:id="rId31"/>
+    <p:notesMasterId r:id="rId32"/>
   </p:notesMasterIdLst>
   <p:handoutMasterIdLst>
-    <p:handoutMasterId r:id="rId32"/>
+    <p:handoutMasterId r:id="rId33"/>
   </p:handoutMasterIdLst>
   <p:sldIdLst>
     <p:sldId id="642" r:id="rId2"/>
     <p:sldId id="696" r:id="rId3"/>
     <p:sldId id="685" r:id="rId4"/>
     <p:sldId id="684" r:id="rId5"/>
-    <p:sldId id="697" r:id="rId6"/>
-    <p:sldId id="698" r:id="rId7"/>
-    <p:sldId id="686" r:id="rId8"/>
-    <p:sldId id="699" r:id="rId9"/>
-    <p:sldId id="662" r:id="rId10"/>
-    <p:sldId id="663" r:id="rId11"/>
-    <p:sldId id="700" r:id="rId12"/>
-    <p:sldId id="687" r:id="rId13"/>
-    <p:sldId id="688" r:id="rId14"/>
-    <p:sldId id="672" r:id="rId15"/>
-    <p:sldId id="701" r:id="rId16"/>
-    <p:sldId id="689" r:id="rId17"/>
-    <p:sldId id="671" r:id="rId18"/>
-    <p:sldId id="691" r:id="rId19"/>
-    <p:sldId id="710" r:id="rId20"/>
-    <p:sldId id="706" r:id="rId21"/>
-    <p:sldId id="694" r:id="rId22"/>
-    <p:sldId id="690" r:id="rId23"/>
-    <p:sldId id="707" r:id="rId24"/>
-    <p:sldId id="702" r:id="rId25"/>
-    <p:sldId id="708" r:id="rId26"/>
-    <p:sldId id="703" r:id="rId27"/>
-    <p:sldId id="709" r:id="rId28"/>
-    <p:sldId id="704" r:id="rId29"/>
-    <p:sldId id="705" r:id="rId30"/>
+    <p:sldId id="711" r:id="rId6"/>
+    <p:sldId id="697" r:id="rId7"/>
+    <p:sldId id="698" r:id="rId8"/>
+    <p:sldId id="686" r:id="rId9"/>
+    <p:sldId id="699" r:id="rId10"/>
+    <p:sldId id="662" r:id="rId11"/>
+    <p:sldId id="663" r:id="rId12"/>
+    <p:sldId id="700" r:id="rId13"/>
+    <p:sldId id="687" r:id="rId14"/>
+    <p:sldId id="688" r:id="rId15"/>
+    <p:sldId id="672" r:id="rId16"/>
+    <p:sldId id="701" r:id="rId17"/>
+    <p:sldId id="689" r:id="rId18"/>
+    <p:sldId id="671" r:id="rId19"/>
+    <p:sldId id="691" r:id="rId20"/>
+    <p:sldId id="710" r:id="rId21"/>
+    <p:sldId id="706" r:id="rId22"/>
+    <p:sldId id="694" r:id="rId23"/>
+    <p:sldId id="690" r:id="rId24"/>
+    <p:sldId id="707" r:id="rId25"/>
+    <p:sldId id="702" r:id="rId26"/>
+    <p:sldId id="708" r:id="rId27"/>
+    <p:sldId id="703" r:id="rId28"/>
+    <p:sldId id="709" r:id="rId29"/>
+    <p:sldId id="704" r:id="rId30"/>
+    <p:sldId id="705" r:id="rId31"/>
   </p:sldIdLst>
   <p:sldSz cx="12196763" cy="6858000"/>
   <p:notesSz cx="7099300" cy="10234613"/>
@@ -259,7 +260,7 @@
             <a:fld id="{1AA66804-583B-42BE-962B-441699487C40}" type="datetimeFigureOut">
               <a:rPr lang="zh-CN" altLang="en-US" smtClean="0"/>
               <a:pPr/>
-              <a:t>2018/9/27</a:t>
+              <a:t>2019/10/6</a:t>
             </a:fld>
             <a:endParaRPr lang="zh-CN" altLang="en-US"/>
           </a:p>
@@ -503,7 +504,7 @@
             <a:fld id="{B9EEDA17-7CE7-49CA-897E-A1888A19DA62}" type="datetimeFigureOut">
               <a:rPr lang="zh-CN" altLang="en-US"/>
               <a:pPr/>
-              <a:t>2018/9/27</a:t>
+              <a:t>2019/10/6</a:t>
             </a:fld>
             <a:endParaRPr lang="en-US"/>
           </a:p>
@@ -3164,6 +3165,104 @@
               </a:rPr>
               <a:pPr/>
               <a:t>3</a:t>
+            </a:fld>
+            <a:endParaRPr lang="en-US">
+              <a:solidFill>
+                <a:prstClr val="black"/>
+              </a:solidFill>
+            </a:endParaRPr>
+          </a:p>
+        </p:txBody>
+      </p:sp>
+    </p:spTree>
+    <p:extLst>
+      <p:ext uri="{BB962C8B-B14F-4D97-AF65-F5344CB8AC3E}">
+        <p14:creationId xmlns:p14="http://schemas.microsoft.com/office/powerpoint/2010/main" val="2292324362"/>
+      </p:ext>
+    </p:extLst>
+  </p:cSld>
+  <p:clrMapOvr>
+    <a:masterClrMapping/>
+  </p:clrMapOvr>
+</p:notes>
+</file>
+
+<file path=ppt/notesSlides/notesSlide30.xml><?xml version="1.0" encoding="utf-8"?>
+<p:notes xmlns:a="http://schemas.openxmlformats.org/drawingml/2006/main" xmlns:r="http://schemas.openxmlformats.org/officeDocument/2006/relationships" xmlns:p="http://schemas.openxmlformats.org/presentationml/2006/main">
+  <p:cSld>
+    <p:spTree>
+      <p:nvGrpSpPr>
+        <p:cNvPr id="1" name=""/>
+        <p:cNvGrpSpPr/>
+        <p:nvPr/>
+      </p:nvGrpSpPr>
+      <p:grpSpPr>
+        <a:xfrm>
+          <a:off x="0" y="0"/>
+          <a:ext cx="0" cy="0"/>
+          <a:chOff x="0" y="0"/>
+          <a:chExt cx="0" cy="0"/>
+        </a:xfrm>
+      </p:grpSpPr>
+      <p:sp>
+        <p:nvSpPr>
+          <p:cNvPr id="2" name="幻灯片图像占位符 1"/>
+          <p:cNvSpPr>
+            <a:spLocks noGrp="1" noRot="1" noChangeAspect="1"/>
+          </p:cNvSpPr>
+          <p:nvPr>
+            <p:ph type="sldImg"/>
+          </p:nvPr>
+        </p:nvSpPr>
+        <p:spPr>
+          <a:xfrm>
+            <a:off x="138113" y="768350"/>
+            <a:ext cx="6823075" cy="3836988"/>
+          </a:xfrm>
+        </p:spPr>
+      </p:sp>
+      <p:sp>
+        <p:nvSpPr>
+          <p:cNvPr id="3" name="备注占位符 2"/>
+          <p:cNvSpPr>
+            <a:spLocks noGrp="1"/>
+          </p:cNvSpPr>
+          <p:nvPr>
+            <p:ph type="body" idx="1"/>
+          </p:nvPr>
+        </p:nvSpPr>
+        <p:spPr/>
+        <p:txBody>
+          <a:bodyPr/>
+          <a:lstStyle/>
+          <a:p>
+            <a:endParaRPr lang="zh-CN" altLang="en-US"/>
+          </a:p>
+        </p:txBody>
+      </p:sp>
+      <p:sp>
+        <p:nvSpPr>
+          <p:cNvPr id="4" name="灯片编号占位符 3"/>
+          <p:cNvSpPr>
+            <a:spLocks noGrp="1"/>
+          </p:cNvSpPr>
+          <p:nvPr>
+            <p:ph type="sldNum" sz="quarter" idx="10"/>
+          </p:nvPr>
+        </p:nvSpPr>
+        <p:spPr/>
+        <p:txBody>
+          <a:bodyPr/>
+          <a:lstStyle/>
+          <a:p>
+            <a:fld id="{CE1689F0-D8FB-450F-A36F-553F26501FEE}" type="slidenum">
+              <a:rPr lang="zh-CN" altLang="en-US" smtClean="0">
+                <a:solidFill>
+                  <a:prstClr val="black"/>
+                </a:solidFill>
+              </a:rPr>
+              <a:pPr/>
+              <a:t>30</a:t>
             </a:fld>
             <a:endParaRPr lang="en-US">
               <a:solidFill>
@@ -10910,6 +11009,471 @@
           </a:p>
         </p:txBody>
       </p:sp>
+      <p:sp>
+        <p:nvSpPr>
+          <p:cNvPr id="7" name="矩形 6"/>
+          <p:cNvSpPr/>
+          <p:nvPr/>
+        </p:nvSpPr>
+        <p:spPr bwMode="auto">
+          <a:xfrm>
+            <a:off x="2569989" y="2852937"/>
+            <a:ext cx="9361039" cy="815002"/>
+          </a:xfrm>
+          <a:prstGeom prst="rect">
+            <a:avLst/>
+          </a:prstGeom>
+          <a:solidFill>
+            <a:schemeClr val="tx1"/>
+          </a:solidFill>
+          <a:ln w="9525" cap="flat" cmpd="sng" algn="ctr">
+            <a:noFill/>
+            <a:prstDash val="solid"/>
+            <a:round/>
+            <a:headEnd type="none" w="med" len="med"/>
+            <a:tailEnd type="none" w="med" len="med"/>
+          </a:ln>
+          <a:effectLst/>
+          <a:extLst/>
+        </p:spPr>
+        <p:txBody>
+          <a:bodyPr vert="horz" wrap="square" lIns="91440" tIns="45720" rIns="91440" bIns="45720" numCol="1" rtlCol="0" anchor="t" anchorCtr="0" compatLnSpc="1">
+            <a:prstTxWarp prst="textNoShape">
+              <a:avLst/>
+            </a:prstTxWarp>
+          </a:bodyPr>
+          <a:lstStyle/>
+          <a:p>
+            <a:pPr algn="ctr"/>
+            <a:r>
+              <a:rPr lang="zh-CN" altLang="en-US" sz="2400" dirty="0" smtClean="0">
+                <a:solidFill>
+                  <a:srgbClr val="F8F8F8"/>
+                </a:solidFill>
+                <a:latin typeface="微软雅黑"/>
+                <a:ea typeface="微软雅黑"/>
+              </a:rPr>
+              <a:t>线程就是继承自</a:t>
+            </a:r>
+            <a:r>
+              <a:rPr lang="en-US" altLang="zh-CN" sz="2400" dirty="0" smtClean="0">
+                <a:solidFill>
+                  <a:srgbClr val="F8F8F8"/>
+                </a:solidFill>
+                <a:latin typeface="微软雅黑"/>
+                <a:ea typeface="微软雅黑"/>
+              </a:rPr>
+              <a:t>Thread</a:t>
+            </a:r>
+            <a:r>
+              <a:rPr lang="zh-CN" altLang="en-US" sz="2400" dirty="0" smtClean="0">
+                <a:solidFill>
+                  <a:srgbClr val="F8F8F8"/>
+                </a:solidFill>
+                <a:latin typeface="微软雅黑"/>
+                <a:ea typeface="微软雅黑"/>
+              </a:rPr>
+              <a:t>的子类，重写</a:t>
+            </a:r>
+            <a:r>
+              <a:rPr lang="en-US" altLang="zh-CN" sz="2400" dirty="0" smtClean="0">
+                <a:solidFill>
+                  <a:srgbClr val="F8F8F8"/>
+                </a:solidFill>
+                <a:latin typeface="微软雅黑"/>
+                <a:ea typeface="微软雅黑"/>
+              </a:rPr>
+              <a:t>run</a:t>
+            </a:r>
+            <a:r>
+              <a:rPr lang="zh-CN" altLang="en-US" sz="2400" dirty="0" smtClean="0">
+                <a:solidFill>
+                  <a:srgbClr val="F8F8F8"/>
+                </a:solidFill>
+                <a:latin typeface="微软雅黑"/>
+                <a:ea typeface="微软雅黑"/>
+              </a:rPr>
+              <a:t>方法，实例化为对象，然后调用</a:t>
+            </a:r>
+            <a:r>
+              <a:rPr lang="en-US" altLang="zh-CN" sz="2400" dirty="0" smtClean="0">
+                <a:solidFill>
+                  <a:srgbClr val="F8F8F8"/>
+                </a:solidFill>
+                <a:latin typeface="微软雅黑"/>
+                <a:ea typeface="微软雅黑"/>
+              </a:rPr>
+              <a:t>start</a:t>
+            </a:r>
+            <a:r>
+              <a:rPr lang="zh-CN" altLang="en-US" sz="2400" dirty="0" smtClean="0">
+                <a:solidFill>
+                  <a:srgbClr val="F8F8F8"/>
+                </a:solidFill>
+                <a:latin typeface="微软雅黑"/>
+                <a:ea typeface="微软雅黑"/>
+              </a:rPr>
+              <a:t>方法运行。相当于进程在此“兵分两路”。</a:t>
+            </a:r>
+          </a:p>
+        </p:txBody>
+      </p:sp>
+      <p:pic>
+        <p:nvPicPr>
+          <p:cNvPr id="4099" name="Picture 3"/>
+          <p:cNvPicPr>
+            <a:picLocks noChangeAspect="1" noChangeArrowheads="1"/>
+          </p:cNvPicPr>
+          <p:nvPr/>
+        </p:nvPicPr>
+        <p:blipFill>
+          <a:blip r:embed="rId3">
+            <a:extLst>
+              <a:ext uri="{28A0092B-C50C-407E-A947-70E740481C1C}">
+                <a14:useLocalDpi xmlns:a14="http://schemas.microsoft.com/office/drawing/2010/main" val="0"/>
+              </a:ext>
+            </a:extLst>
+          </a:blip>
+          <a:srcRect/>
+          <a:stretch>
+            <a:fillRect/>
+          </a:stretch>
+        </p:blipFill>
+        <p:spPr bwMode="auto">
+          <a:xfrm>
+            <a:off x="0" y="2144314"/>
+            <a:ext cx="2464538" cy="2232248"/>
+          </a:xfrm>
+          <a:prstGeom prst="rect">
+            <a:avLst/>
+          </a:prstGeom>
+          <a:noFill/>
+          <a:ln>
+            <a:noFill/>
+          </a:ln>
+          <a:extLst>
+            <a:ext uri="{909E8E84-426E-40DD-AFC4-6F175D3DCCD1}">
+              <a14:hiddenFill xmlns:a14="http://schemas.microsoft.com/office/drawing/2010/main">
+                <a:solidFill>
+                  <a:schemeClr val="accent1"/>
+                </a:solidFill>
+              </a14:hiddenFill>
+            </a:ext>
+            <a:ext uri="{91240B29-F687-4F45-9708-019B960494DF}">
+              <a14:hiddenLine xmlns:a14="http://schemas.microsoft.com/office/drawing/2010/main" w="9525">
+                <a:solidFill>
+                  <a:schemeClr val="tx1"/>
+                </a:solidFill>
+                <a:miter lim="800000"/>
+                <a:headEnd/>
+                <a:tailEnd/>
+              </a14:hiddenLine>
+            </a:ext>
+          </a:extLst>
+        </p:spPr>
+      </p:pic>
+    </p:spTree>
+    <p:extLst>
+      <p:ext uri="{BB962C8B-B14F-4D97-AF65-F5344CB8AC3E}">
+        <p14:creationId xmlns:p14="http://schemas.microsoft.com/office/powerpoint/2010/main" val="1775189218"/>
+      </p:ext>
+    </p:extLst>
+  </p:cSld>
+  <p:clrMapOvr>
+    <a:masterClrMapping/>
+  </p:clrMapOvr>
+  <p:transition spd="slow" advTm="7876">
+    <p:wipe/>
+  </p:transition>
+  <p:timing>
+    <p:tnLst>
+      <p:par>
+        <p:cTn id="1" dur="indefinite" restart="never" nodeType="tmRoot">
+          <p:childTnLst>
+            <p:seq concurrent="1" nextAc="seek">
+              <p:cTn id="2" dur="indefinite" nodeType="mainSeq">
+                <p:childTnLst>
+                  <p:par>
+                    <p:cTn id="3" fill="hold">
+                      <p:stCondLst>
+                        <p:cond delay="indefinite"/>
+                        <p:cond evt="onBegin" delay="0">
+                          <p:tn val="2"/>
+                        </p:cond>
+                      </p:stCondLst>
+                      <p:childTnLst>
+                        <p:par>
+                          <p:cTn id="4" fill="hold">
+                            <p:stCondLst>
+                              <p:cond delay="0"/>
+                            </p:stCondLst>
+                            <p:childTnLst>
+                              <p:par>
+                                <p:cTn id="5" presetID="2" presetClass="entr" presetSubtype="8" fill="hold" grpId="0" nodeType="afterEffect">
+                                  <p:stCondLst>
+                                    <p:cond delay="0"/>
+                                  </p:stCondLst>
+                                  <p:childTnLst>
+                                    <p:set>
+                                      <p:cBhvr>
+                                        <p:cTn id="6" dur="1" fill="hold">
+                                          <p:stCondLst>
+                                            <p:cond delay="0"/>
+                                          </p:stCondLst>
+                                        </p:cTn>
+                                        <p:tgtEl>
+                                          <p:spTgt spid="27"/>
+                                        </p:tgtEl>
+                                        <p:attrNameLst>
+                                          <p:attrName>style.visibility</p:attrName>
+                                        </p:attrNameLst>
+                                      </p:cBhvr>
+                                      <p:to>
+                                        <p:strVal val="visible"/>
+                                      </p:to>
+                                    </p:set>
+                                    <p:anim calcmode="lin" valueType="num">
+                                      <p:cBhvr additive="base">
+                                        <p:cTn id="7" dur="300" fill="hold"/>
+                                        <p:tgtEl>
+                                          <p:spTgt spid="27"/>
+                                        </p:tgtEl>
+                                        <p:attrNameLst>
+                                          <p:attrName>ppt_x</p:attrName>
+                                        </p:attrNameLst>
+                                      </p:cBhvr>
+                                      <p:tavLst>
+                                        <p:tav tm="0">
+                                          <p:val>
+                                            <p:strVal val="0-#ppt_w/2"/>
+                                          </p:val>
+                                        </p:tav>
+                                        <p:tav tm="100000">
+                                          <p:val>
+                                            <p:strVal val="#ppt_x"/>
+                                          </p:val>
+                                        </p:tav>
+                                      </p:tavLst>
+                                    </p:anim>
+                                    <p:anim calcmode="lin" valueType="num">
+                                      <p:cBhvr additive="base">
+                                        <p:cTn id="8" dur="300" fill="hold"/>
+                                        <p:tgtEl>
+                                          <p:spTgt spid="27"/>
+                                        </p:tgtEl>
+                                        <p:attrNameLst>
+                                          <p:attrName>ppt_y</p:attrName>
+                                        </p:attrNameLst>
+                                      </p:cBhvr>
+                                      <p:tavLst>
+                                        <p:tav tm="0">
+                                          <p:val>
+                                            <p:strVal val="#ppt_y"/>
+                                          </p:val>
+                                        </p:tav>
+                                        <p:tav tm="100000">
+                                          <p:val>
+                                            <p:strVal val="#ppt_y"/>
+                                          </p:val>
+                                        </p:tav>
+                                      </p:tavLst>
+                                    </p:anim>
+                                  </p:childTnLst>
+                                </p:cTn>
+                              </p:par>
+                            </p:childTnLst>
+                          </p:cTn>
+                        </p:par>
+                        <p:par>
+                          <p:cTn id="9" fill="hold">
+                            <p:stCondLst>
+                              <p:cond delay="300"/>
+                            </p:stCondLst>
+                            <p:childTnLst>
+                              <p:par>
+                                <p:cTn id="10" presetID="22" presetClass="entr" presetSubtype="2" fill="hold" grpId="0" nodeType="afterEffect">
+                                  <p:stCondLst>
+                                    <p:cond delay="0"/>
+                                  </p:stCondLst>
+                                  <p:childTnLst>
+                                    <p:set>
+                                      <p:cBhvr>
+                                        <p:cTn id="11" dur="1" fill="hold">
+                                          <p:stCondLst>
+                                            <p:cond delay="0"/>
+                                          </p:stCondLst>
+                                        </p:cTn>
+                                        <p:tgtEl>
+                                          <p:spTgt spid="7"/>
+                                        </p:tgtEl>
+                                        <p:attrNameLst>
+                                          <p:attrName>style.visibility</p:attrName>
+                                        </p:attrNameLst>
+                                      </p:cBhvr>
+                                      <p:to>
+                                        <p:strVal val="visible"/>
+                                      </p:to>
+                                    </p:set>
+                                    <p:animEffect transition="in" filter="wipe(right)">
+                                      <p:cBhvr>
+                                        <p:cTn id="12" dur="500"/>
+                                        <p:tgtEl>
+                                          <p:spTgt spid="7"/>
+                                        </p:tgtEl>
+                                      </p:cBhvr>
+                                    </p:animEffect>
+                                  </p:childTnLst>
+                                </p:cTn>
+                              </p:par>
+                            </p:childTnLst>
+                          </p:cTn>
+                        </p:par>
+                      </p:childTnLst>
+                    </p:cTn>
+                  </p:par>
+                </p:childTnLst>
+              </p:cTn>
+              <p:prevCondLst>
+                <p:cond evt="onPrev" delay="0">
+                  <p:tgtEl>
+                    <p:sldTgt/>
+                  </p:tgtEl>
+                </p:cond>
+              </p:prevCondLst>
+              <p:nextCondLst>
+                <p:cond evt="onNext" delay="0">
+                  <p:tgtEl>
+                    <p:sldTgt/>
+                  </p:tgtEl>
+                </p:cond>
+              </p:nextCondLst>
+            </p:seq>
+          </p:childTnLst>
+        </p:cTn>
+      </p:par>
+    </p:tnLst>
+    <p:bldLst>
+      <p:bldP spid="27" grpId="0" animBg="1"/>
+      <p:bldP spid="7" grpId="0" animBg="1"/>
+    </p:bldLst>
+  </p:timing>
+</p:sld>
+</file>
+
+<file path=ppt/slides/slide11.xml><?xml version="1.0" encoding="utf-8"?>
+<p:sld xmlns:a="http://schemas.openxmlformats.org/drawingml/2006/main" xmlns:r="http://schemas.openxmlformats.org/officeDocument/2006/relationships" xmlns:p="http://schemas.openxmlformats.org/presentationml/2006/main">
+  <p:cSld>
+    <p:bg>
+      <p:bgPr>
+        <a:solidFill>
+          <a:srgbClr val="AF2019"/>
+        </a:solidFill>
+        <a:effectLst/>
+      </p:bgPr>
+    </p:bg>
+    <p:spTree>
+      <p:nvGrpSpPr>
+        <p:cNvPr id="1" name=""/>
+        <p:cNvGrpSpPr/>
+        <p:nvPr/>
+      </p:nvGrpSpPr>
+      <p:grpSpPr>
+        <a:xfrm>
+          <a:off x="0" y="0"/>
+          <a:ext cx="0" cy="0"/>
+          <a:chOff x="0" y="0"/>
+          <a:chExt cx="0" cy="0"/>
+        </a:xfrm>
+      </p:grpSpPr>
+      <p:sp>
+        <p:nvSpPr>
+          <p:cNvPr id="22" name="矩形 21"/>
+          <p:cNvSpPr/>
+          <p:nvPr/>
+        </p:nvSpPr>
+        <p:spPr bwMode="auto">
+          <a:xfrm>
+            <a:off x="0" y="666517"/>
+            <a:ext cx="12196763" cy="6002843"/>
+          </a:xfrm>
+          <a:prstGeom prst="rect">
+            <a:avLst/>
+          </a:prstGeom>
+          <a:solidFill>
+            <a:schemeClr val="bg2">
+              <a:lumMod val="20000"/>
+              <a:lumOff val="80000"/>
+            </a:schemeClr>
+          </a:solidFill>
+          <a:ln w="9525" cap="flat" cmpd="sng" algn="ctr">
+            <a:noFill/>
+            <a:prstDash val="solid"/>
+            <a:round/>
+            <a:headEnd type="none" w="med" len="med"/>
+            <a:tailEnd type="none" w="med" len="med"/>
+          </a:ln>
+          <a:effectLst/>
+          <a:extLst/>
+        </p:spPr>
+        <p:txBody>
+          <a:bodyPr vert="horz" wrap="square" lIns="91440" tIns="45720" rIns="91440" bIns="45720" numCol="1" rtlCol="0" anchor="t" anchorCtr="0" compatLnSpc="1">
+            <a:prstTxWarp prst="textNoShape">
+              <a:avLst/>
+            </a:prstTxWarp>
+          </a:bodyPr>
+          <a:lstStyle/>
+          <a:p>
+            <a:endParaRPr lang="zh-CN" altLang="en-US" dirty="0" smtClean="0">
+              <a:solidFill>
+                <a:srgbClr val="C4261D"/>
+              </a:solidFill>
+            </a:endParaRPr>
+          </a:p>
+        </p:txBody>
+      </p:sp>
+      <p:sp>
+        <p:nvSpPr>
+          <p:cNvPr id="27" name="矩形 26"/>
+          <p:cNvSpPr/>
+          <p:nvPr/>
+        </p:nvSpPr>
+        <p:spPr bwMode="auto">
+          <a:xfrm>
+            <a:off x="0" y="238581"/>
+            <a:ext cx="409749" cy="333328"/>
+          </a:xfrm>
+          <a:prstGeom prst="rect">
+            <a:avLst/>
+          </a:prstGeom>
+          <a:solidFill>
+            <a:schemeClr val="bg1"/>
+          </a:solidFill>
+          <a:ln w="9525" cap="flat" cmpd="sng" algn="ctr">
+            <a:noFill/>
+            <a:prstDash val="solid"/>
+            <a:round/>
+            <a:headEnd type="none" w="med" len="med"/>
+            <a:tailEnd type="none" w="med" len="med"/>
+          </a:ln>
+          <a:effectLst/>
+          <a:extLst/>
+        </p:spPr>
+        <p:txBody>
+          <a:bodyPr vert="horz" wrap="square" lIns="91440" tIns="45720" rIns="91440" bIns="45720" numCol="1" rtlCol="0" anchor="t" anchorCtr="0" compatLnSpc="1">
+            <a:prstTxWarp prst="textNoShape">
+              <a:avLst/>
+            </a:prstTxWarp>
+          </a:bodyPr>
+          <a:lstStyle/>
+          <a:p>
+            <a:endParaRPr lang="zh-CN" altLang="en-US" smtClean="0">
+              <a:solidFill>
+                <a:srgbClr val="C4261D"/>
+              </a:solidFill>
+            </a:endParaRPr>
+          </a:p>
+        </p:txBody>
+      </p:sp>
       <p:pic>
         <p:nvPicPr>
           <p:cNvPr id="5122" name="Picture 2"/>
@@ -11238,7 +11802,7 @@
 </p:sld>
 </file>
 
-<file path=ppt/slides/slide11.xml><?xml version="1.0" encoding="utf-8"?>
+<file path=ppt/slides/slide12.xml><?xml version="1.0" encoding="utf-8"?>
 <p:sld xmlns:a="http://schemas.openxmlformats.org/drawingml/2006/main" xmlns:r="http://schemas.openxmlformats.org/officeDocument/2006/relationships" xmlns:p="http://schemas.openxmlformats.org/presentationml/2006/main">
   <p:cSld>
     <p:bg>
@@ -11596,7 +12160,7 @@
 </p:sld>
 </file>
 
-<file path=ppt/slides/slide12.xml><?xml version="1.0" encoding="utf-8"?>
+<file path=ppt/slides/slide13.xml><?xml version="1.0" encoding="utf-8"?>
 <p:sld xmlns:a="http://schemas.openxmlformats.org/drawingml/2006/main" xmlns:r="http://schemas.openxmlformats.org/officeDocument/2006/relationships" xmlns:p="http://schemas.openxmlformats.org/presentationml/2006/main">
   <p:cSld>
     <p:bg>
@@ -12110,7 +12674,7 @@
 </p:sld>
 </file>
 
-<file path=ppt/slides/slide13.xml><?xml version="1.0" encoding="utf-8"?>
+<file path=ppt/slides/slide14.xml><?xml version="1.0" encoding="utf-8"?>
 <p:sld xmlns:a="http://schemas.openxmlformats.org/drawingml/2006/main" xmlns:r="http://schemas.openxmlformats.org/officeDocument/2006/relationships" xmlns:p="http://schemas.openxmlformats.org/presentationml/2006/main">
   <p:cSld>
     <p:bg>
@@ -12625,7 +13189,7 @@
 </p:sld>
 </file>
 
-<file path=ppt/slides/slide14.xml><?xml version="1.0" encoding="utf-8"?>
+<file path=ppt/slides/slide15.xml><?xml version="1.0" encoding="utf-8"?>
 <p:sld xmlns:a="http://schemas.openxmlformats.org/drawingml/2006/main" xmlns:r="http://schemas.openxmlformats.org/officeDocument/2006/relationships" xmlns:p="http://schemas.openxmlformats.org/presentationml/2006/main">
   <p:cSld>
     <p:bg>
@@ -13273,7 +13837,7 @@
 </p:sld>
 </file>
 
-<file path=ppt/slides/slide15.xml><?xml version="1.0" encoding="utf-8"?>
+<file path=ppt/slides/slide16.xml><?xml version="1.0" encoding="utf-8"?>
 <p:sld xmlns:a="http://schemas.openxmlformats.org/drawingml/2006/main" xmlns:r="http://schemas.openxmlformats.org/officeDocument/2006/relationships" xmlns:p="http://schemas.openxmlformats.org/presentationml/2006/main">
   <p:cSld>
     <p:bg>
@@ -13921,7 +14485,7 @@
 </p:sld>
 </file>
 
-<file path=ppt/slides/slide16.xml><?xml version="1.0" encoding="utf-8"?>
+<file path=ppt/slides/slide17.xml><?xml version="1.0" encoding="utf-8"?>
 <p:sld xmlns:a="http://schemas.openxmlformats.org/drawingml/2006/main" xmlns:r="http://schemas.openxmlformats.org/officeDocument/2006/relationships" xmlns:p="http://schemas.openxmlformats.org/presentationml/2006/main">
   <p:cSld>
     <p:bg>
@@ -14297,13 +14861,6 @@
               </a:rPr>
               <a:t>卖的票数一样吗？</a:t>
             </a:r>
-            <a:endParaRPr lang="zh-CN" altLang="en-US" sz="2000" i="1" dirty="0" smtClean="0">
-              <a:solidFill>
-                <a:srgbClr val="FF0000"/>
-              </a:solidFill>
-              <a:latin typeface="微软雅黑"/>
-              <a:ea typeface="微软雅黑"/>
-            </a:endParaRPr>
           </a:p>
         </p:txBody>
       </p:sp>
@@ -14630,7 +15187,7 @@
 </p:sld>
 </file>
 
-<file path=ppt/slides/slide17.xml><?xml version="1.0" encoding="utf-8"?>
+<file path=ppt/slides/slide18.xml><?xml version="1.0" encoding="utf-8"?>
 <p:sld xmlns:a="http://schemas.openxmlformats.org/drawingml/2006/main" xmlns:r="http://schemas.openxmlformats.org/officeDocument/2006/relationships" xmlns:p="http://schemas.openxmlformats.org/presentationml/2006/main">
   <p:cSld>
     <p:bg>
@@ -14710,7 +15267,7 @@
         <p:spPr>
           <a:xfrm>
             <a:off x="434670" y="174412"/>
-            <a:ext cx="2441694" cy="430887"/>
+            <a:ext cx="4527201" cy="430887"/>
           </a:xfrm>
           <a:prstGeom prst="rect">
             <a:avLst/>
@@ -14723,6 +15280,19 @@
           </a:bodyPr>
           <a:lstStyle/>
           <a:p>
+            <a:r>
+              <a:rPr lang="zh-CN" altLang="en-US" sz="2200" dirty="0" smtClean="0">
+                <a:solidFill>
+                  <a:srgbClr val="C2C1C1">
+                    <a:lumMod val="20000"/>
+                    <a:lumOff val="80000"/>
+                  </a:srgbClr>
+                </a:solidFill>
+                <a:latin typeface="微软雅黑"/>
+                <a:ea typeface="微软雅黑"/>
+              </a:rPr>
+              <a:t>前台线程与</a:t>
+            </a:r>
             <a:r>
               <a:rPr lang="zh-CN" altLang="en-US" sz="2200" dirty="0" smtClean="0">
                 <a:solidFill>
@@ -14747,7 +15317,33 @@
                 <a:latin typeface="微软雅黑"/>
                 <a:ea typeface="微软雅黑"/>
               </a:rPr>
-              <a:t>线程（了解）</a:t>
+              <a:t>线程（了解</a:t>
+            </a:r>
+            <a:r>
+              <a:rPr lang="zh-CN" altLang="en-US" sz="2200" dirty="0" smtClean="0">
+                <a:solidFill>
+                  <a:srgbClr val="C2C1C1">
+                    <a:lumMod val="20000"/>
+                    <a:lumOff val="80000"/>
+                  </a:srgbClr>
+                </a:solidFill>
+                <a:latin typeface="微软雅黑"/>
+                <a:ea typeface="微软雅黑"/>
+              </a:rPr>
+              <a:t>）</a:t>
+            </a:r>
+            <a:r>
+              <a:rPr lang="en-US" altLang="zh-CN" sz="2200" dirty="0" smtClean="0">
+                <a:solidFill>
+                  <a:srgbClr val="C2C1C1">
+                    <a:lumMod val="20000"/>
+                    <a:lumOff val="80000"/>
+                  </a:srgbClr>
+                </a:solidFill>
+                <a:latin typeface="微软雅黑"/>
+                <a:ea typeface="微软雅黑"/>
+              </a:rPr>
+              <a:t>p172</a:t>
             </a:r>
             <a:endParaRPr lang="zh-CN" altLang="en-US" sz="2200" dirty="0">
               <a:solidFill>
@@ -14805,142 +15401,60 @@
           </a:p>
         </p:txBody>
       </p:sp>
-      <p:sp>
-        <p:nvSpPr>
-          <p:cNvPr id="6" name="矩形 5"/>
-          <p:cNvSpPr/>
+      <p:pic>
+        <p:nvPicPr>
+          <p:cNvPr id="2051" name="Picture 3"/>
+          <p:cNvPicPr>
+            <a:picLocks noChangeAspect="1" noChangeArrowheads="1"/>
+          </p:cNvPicPr>
           <p:nvPr/>
-        </p:nvSpPr>
+        </p:nvPicPr>
+        <p:blipFill>
+          <a:blip r:embed="rId3">
+            <a:extLst>
+              <a:ext uri="{28A0092B-C50C-407E-A947-70E740481C1C}">
+                <a14:useLocalDpi xmlns:a14="http://schemas.microsoft.com/office/drawing/2010/main" val="0"/>
+              </a:ext>
+            </a:extLst>
+          </a:blip>
+          <a:srcRect/>
+          <a:stretch>
+            <a:fillRect/>
+          </a:stretch>
+        </p:blipFill>
         <p:spPr bwMode="auto">
           <a:xfrm>
-            <a:off x="1091260" y="2492896"/>
-            <a:ext cx="10335713" cy="1596070"/>
+            <a:off x="204874" y="760720"/>
+            <a:ext cx="11489009" cy="5578798"/>
           </a:xfrm>
           <a:prstGeom prst="rect">
             <a:avLst/>
           </a:prstGeom>
-          <a:solidFill>
-            <a:schemeClr val="tx1"/>
-          </a:solidFill>
-          <a:ln w="9525" cap="flat" cmpd="sng" algn="ctr">
+          <a:noFill/>
+          <a:ln>
             <a:noFill/>
-            <a:prstDash val="solid"/>
-            <a:round/>
-            <a:headEnd type="none" w="med" len="med"/>
-            <a:tailEnd type="none" w="med" len="med"/>
           </a:ln>
-          <a:effectLst/>
-          <a:extLst/>
+          <a:extLst>
+            <a:ext uri="{909E8E84-426E-40DD-AFC4-6F175D3DCCD1}">
+              <a14:hiddenFill xmlns:a14="http://schemas.microsoft.com/office/drawing/2010/main">
+                <a:solidFill>
+                  <a:schemeClr val="accent1"/>
+                </a:solidFill>
+              </a14:hiddenFill>
+            </a:ext>
+            <a:ext uri="{91240B29-F687-4F45-9708-019B960494DF}">
+              <a14:hiddenLine xmlns:a14="http://schemas.microsoft.com/office/drawing/2010/main" w="9525">
+                <a:solidFill>
+                  <a:schemeClr val="tx1"/>
+                </a:solidFill>
+                <a:miter lim="800000"/>
+                <a:headEnd/>
+                <a:tailEnd/>
+              </a14:hiddenLine>
+            </a:ext>
+          </a:extLst>
         </p:spPr>
-        <p:txBody>
-          <a:bodyPr vert="horz" wrap="square" lIns="91440" tIns="45720" rIns="91440" bIns="45720" numCol="1" rtlCol="0" anchor="t" anchorCtr="0" compatLnSpc="1">
-            <a:prstTxWarp prst="textNoShape">
-              <a:avLst/>
-            </a:prstTxWarp>
-          </a:bodyPr>
-          <a:lstStyle/>
-          <a:p>
-            <a:pPr algn="ctr"/>
-            <a:r>
-              <a:rPr lang="zh-CN" altLang="en-US" sz="3200" dirty="0" smtClean="0">
-                <a:solidFill>
-                  <a:srgbClr val="F8F8F8"/>
-                </a:solidFill>
-                <a:latin typeface="微软雅黑"/>
-                <a:ea typeface="微软雅黑"/>
-              </a:rPr>
-              <a:t>默认新建线程为前台线程</a:t>
-            </a:r>
-            <a:endParaRPr lang="en-US" altLang="zh-CN" sz="3200" dirty="0" smtClean="0">
-              <a:solidFill>
-                <a:srgbClr val="F8F8F8"/>
-              </a:solidFill>
-              <a:latin typeface="微软雅黑"/>
-              <a:ea typeface="微软雅黑"/>
-            </a:endParaRPr>
-          </a:p>
-          <a:p>
-            <a:pPr algn="ctr"/>
-            <a:r>
-              <a:rPr lang="zh-CN" altLang="en-US" sz="3200" dirty="0" smtClean="0">
-                <a:solidFill>
-                  <a:srgbClr val="F8F8F8"/>
-                </a:solidFill>
-                <a:latin typeface="微软雅黑"/>
-                <a:ea typeface="微软雅黑"/>
-              </a:rPr>
-              <a:t>前台线程不结束，进程就不会结束</a:t>
-            </a:r>
-            <a:endParaRPr lang="en-US" altLang="zh-CN" sz="3200" dirty="0" smtClean="0">
-              <a:solidFill>
-                <a:srgbClr val="F8F8F8"/>
-              </a:solidFill>
-              <a:latin typeface="微软雅黑"/>
-              <a:ea typeface="微软雅黑"/>
-            </a:endParaRPr>
-          </a:p>
-          <a:p>
-            <a:pPr algn="ctr"/>
-            <a:r>
-              <a:rPr lang="zh-CN" altLang="en-US" sz="3200" dirty="0" smtClean="0">
-                <a:solidFill>
-                  <a:srgbClr val="F8F8F8"/>
-                </a:solidFill>
-                <a:latin typeface="微软雅黑"/>
-                <a:ea typeface="微软雅黑"/>
-              </a:rPr>
-              <a:t>想成为后台线程的方法</a:t>
-            </a:r>
-            <a:r>
-              <a:rPr lang="zh-CN" altLang="en-US" sz="3200" dirty="0" smtClean="0">
-                <a:solidFill>
-                  <a:srgbClr val="F8F8F8"/>
-                </a:solidFill>
-                <a:latin typeface="微软雅黑"/>
-                <a:ea typeface="微软雅黑"/>
-              </a:rPr>
-              <a:t>：</a:t>
-            </a:r>
-            <a:r>
-              <a:rPr lang="en-US" altLang="zh-CN" sz="3200" dirty="0" err="1" smtClean="0">
-                <a:solidFill>
-                  <a:srgbClr val="F8F8F8"/>
-                </a:solidFill>
-                <a:latin typeface="微软雅黑"/>
-                <a:ea typeface="微软雅黑"/>
-              </a:rPr>
-              <a:t>setDaemon</a:t>
-            </a:r>
-            <a:r>
-              <a:rPr lang="en-US" altLang="zh-CN" sz="3200" dirty="0" smtClean="0">
-                <a:solidFill>
-                  <a:srgbClr val="F8F8F8"/>
-                </a:solidFill>
-                <a:latin typeface="微软雅黑"/>
-                <a:ea typeface="微软雅黑"/>
-              </a:rPr>
-              <a:t>(true);   //</a:t>
-            </a:r>
-            <a:r>
-              <a:rPr lang="en-US" altLang="zh-CN" sz="2000" dirty="0" smtClean="0">
-                <a:solidFill>
-                  <a:srgbClr val="F8F8F8"/>
-                </a:solidFill>
-                <a:latin typeface="微软雅黑"/>
-                <a:ea typeface="微软雅黑"/>
-              </a:rPr>
-              <a:t>p172</a:t>
-            </a:r>
-            <a:endParaRPr lang="zh-CN" altLang="en-US" sz="2000" dirty="0" smtClean="0">
-              <a:solidFill>
-                <a:srgbClr val="F8F8F8"/>
-              </a:solidFill>
-              <a:latin typeface="微软雅黑"/>
-              <a:ea typeface="微软雅黑"/>
-            </a:endParaRPr>
-          </a:p>
-        </p:txBody>
-      </p:sp>
+      </p:pic>
     </p:spTree>
     <p:extLst>
       <p:ext uri="{BB962C8B-B14F-4D97-AF65-F5344CB8AC3E}">
@@ -15207,50 +15721,6 @@
                             </p:childTnLst>
                           </p:cTn>
                         </p:par>
-                        <p:par>
-                          <p:cTn id="17" fill="hold">
-                            <p:stCondLst>
-                              <p:cond delay="980"/>
-                            </p:stCondLst>
-                            <p:childTnLst>
-                              <p:par>
-                                <p:cTn id="18" presetID="22" presetClass="entr" presetSubtype="2" fill="hold" grpId="0" nodeType="afterEffect">
-                                  <p:stCondLst>
-                                    <p:cond delay="0"/>
-                                  </p:stCondLst>
-                                  <p:childTnLst>
-                                    <p:set>
-                                      <p:cBhvr>
-                                        <p:cTn id="19" dur="1" fill="hold">
-                                          <p:stCondLst>
-                                            <p:cond delay="0"/>
-                                          </p:stCondLst>
-                                        </p:cTn>
-                                        <p:tgtEl>
-                                          <p:spTgt spid="6"/>
-                                        </p:tgtEl>
-                                        <p:attrNameLst>
-                                          <p:attrName>style.visibility</p:attrName>
-                                        </p:attrNameLst>
-                                      </p:cBhvr>
-                                      <p:to>
-                                        <p:strVal val="visible"/>
-                                      </p:to>
-                                    </p:set>
-                                    <p:animEffect transition="in" filter="wipe(right)">
-                                      <p:cBhvr>
-                                        <p:cTn id="20" dur="500"/>
-                                        <p:tgtEl>
-                                          <p:spTgt spid="6"/>
-                                        </p:tgtEl>
-                                      </p:cBhvr>
-                                    </p:animEffect>
-                                  </p:childTnLst>
-                                </p:cTn>
-                              </p:par>
-                            </p:childTnLst>
-                          </p:cTn>
-                        </p:par>
                       </p:childTnLst>
                     </p:cTn>
                   </p:par>
@@ -15278,13 +15748,12 @@
     <p:bldLst>
       <p:bldP spid="77" grpId="0"/>
       <p:bldP spid="27" grpId="0" animBg="1"/>
-      <p:bldP spid="6" grpId="0" animBg="1"/>
     </p:bldLst>
   </p:timing>
 </p:sld>
 </file>
 
-<file path=ppt/slides/slide18.xml><?xml version="1.0" encoding="utf-8"?>
+<file path=ppt/slides/slide19.xml><?xml version="1.0" encoding="utf-8"?>
 <p:sld xmlns:a="http://schemas.openxmlformats.org/drawingml/2006/main" xmlns:r="http://schemas.openxmlformats.org/officeDocument/2006/relationships" xmlns:p="http://schemas.openxmlformats.org/presentationml/2006/main">
   <p:cSld>
     <p:bg>
@@ -15504,520 +15973,6 @@
     <p:extLst>
       <p:ext uri="{BB962C8B-B14F-4D97-AF65-F5344CB8AC3E}">
         <p14:creationId xmlns:p14="http://schemas.microsoft.com/office/powerpoint/2010/main" val="3812993262"/>
-      </p:ext>
-    </p:extLst>
-  </p:cSld>
-  <p:clrMapOvr>
-    <a:masterClrMapping/>
-  </p:clrMapOvr>
-  <p:transition spd="slow" advTm="7876">
-    <p:wipe/>
-  </p:transition>
-  <p:timing>
-    <p:tnLst>
-      <p:par>
-        <p:cTn id="1" dur="indefinite" restart="never" nodeType="tmRoot">
-          <p:childTnLst>
-            <p:seq concurrent="1" nextAc="seek">
-              <p:cTn id="2" dur="indefinite" nodeType="mainSeq">
-                <p:childTnLst>
-                  <p:par>
-                    <p:cTn id="3" fill="hold">
-                      <p:stCondLst>
-                        <p:cond delay="indefinite"/>
-                        <p:cond evt="onBegin" delay="0">
-                          <p:tn val="2"/>
-                        </p:cond>
-                      </p:stCondLst>
-                      <p:childTnLst>
-                        <p:par>
-                          <p:cTn id="4" fill="hold">
-                            <p:stCondLst>
-                              <p:cond delay="0"/>
-                            </p:stCondLst>
-                            <p:childTnLst>
-                              <p:par>
-                                <p:cTn id="5" presetID="2" presetClass="entr" presetSubtype="8" fill="hold" grpId="0" nodeType="afterEffect">
-                                  <p:stCondLst>
-                                    <p:cond delay="0"/>
-                                  </p:stCondLst>
-                                  <p:childTnLst>
-                                    <p:set>
-                                      <p:cBhvr>
-                                        <p:cTn id="6" dur="1" fill="hold">
-                                          <p:stCondLst>
-                                            <p:cond delay="0"/>
-                                          </p:stCondLst>
-                                        </p:cTn>
-                                        <p:tgtEl>
-                                          <p:spTgt spid="27"/>
-                                        </p:tgtEl>
-                                        <p:attrNameLst>
-                                          <p:attrName>style.visibility</p:attrName>
-                                        </p:attrNameLst>
-                                      </p:cBhvr>
-                                      <p:to>
-                                        <p:strVal val="visible"/>
-                                      </p:to>
-                                    </p:set>
-                                    <p:anim calcmode="lin" valueType="num">
-                                      <p:cBhvr additive="base">
-                                        <p:cTn id="7" dur="300" fill="hold"/>
-                                        <p:tgtEl>
-                                          <p:spTgt spid="27"/>
-                                        </p:tgtEl>
-                                        <p:attrNameLst>
-                                          <p:attrName>ppt_x</p:attrName>
-                                        </p:attrNameLst>
-                                      </p:cBhvr>
-                                      <p:tavLst>
-                                        <p:tav tm="0">
-                                          <p:val>
-                                            <p:strVal val="0-#ppt_w/2"/>
-                                          </p:val>
-                                        </p:tav>
-                                        <p:tav tm="100000">
-                                          <p:val>
-                                            <p:strVal val="#ppt_x"/>
-                                          </p:val>
-                                        </p:tav>
-                                      </p:tavLst>
-                                    </p:anim>
-                                    <p:anim calcmode="lin" valueType="num">
-                                      <p:cBhvr additive="base">
-                                        <p:cTn id="8" dur="300" fill="hold"/>
-                                        <p:tgtEl>
-                                          <p:spTgt spid="27"/>
-                                        </p:tgtEl>
-                                        <p:attrNameLst>
-                                          <p:attrName>ppt_y</p:attrName>
-                                        </p:attrNameLst>
-                                      </p:cBhvr>
-                                      <p:tavLst>
-                                        <p:tav tm="0">
-                                          <p:val>
-                                            <p:strVal val="#ppt_y"/>
-                                          </p:val>
-                                        </p:tav>
-                                        <p:tav tm="100000">
-                                          <p:val>
-                                            <p:strVal val="#ppt_y"/>
-                                          </p:val>
-                                        </p:tav>
-                                      </p:tavLst>
-                                    </p:anim>
-                                  </p:childTnLst>
-                                </p:cTn>
-                              </p:par>
-                            </p:childTnLst>
-                          </p:cTn>
-                        </p:par>
-                        <p:par>
-                          <p:cTn id="9" fill="hold">
-                            <p:stCondLst>
-                              <p:cond delay="300"/>
-                            </p:stCondLst>
-                            <p:childTnLst>
-                              <p:par>
-                                <p:cTn id="10" presetID="41" presetClass="entr" presetSubtype="0" fill="hold" grpId="0" nodeType="afterEffect">
-                                  <p:stCondLst>
-                                    <p:cond delay="0"/>
-                                  </p:stCondLst>
-                                  <p:iterate type="lt">
-                                    <p:tmPct val="10000"/>
-                                  </p:iterate>
-                                  <p:childTnLst>
-                                    <p:set>
-                                      <p:cBhvr>
-                                        <p:cTn id="11" dur="1" fill="hold">
-                                          <p:stCondLst>
-                                            <p:cond delay="0"/>
-                                          </p:stCondLst>
-                                        </p:cTn>
-                                        <p:tgtEl>
-                                          <p:spTgt spid="77"/>
-                                        </p:tgtEl>
-                                        <p:attrNameLst>
-                                          <p:attrName>style.visibility</p:attrName>
-                                        </p:attrNameLst>
-                                      </p:cBhvr>
-                                      <p:to>
-                                        <p:strVal val="visible"/>
-                                      </p:to>
-                                    </p:set>
-                                    <p:anim calcmode="lin" valueType="num">
-                                      <p:cBhvr>
-                                        <p:cTn id="12" dur="400" fill="hold"/>
-                                        <p:tgtEl>
-                                          <p:spTgt spid="77"/>
-                                        </p:tgtEl>
-                                        <p:attrNameLst>
-                                          <p:attrName>ppt_x</p:attrName>
-                                        </p:attrNameLst>
-                                      </p:cBhvr>
-                                      <p:tavLst>
-                                        <p:tav tm="0">
-                                          <p:val>
-                                            <p:strVal val="#ppt_x"/>
-                                          </p:val>
-                                        </p:tav>
-                                        <p:tav tm="50000">
-                                          <p:val>
-                                            <p:strVal val="#ppt_x+.1"/>
-                                          </p:val>
-                                        </p:tav>
-                                        <p:tav tm="100000">
-                                          <p:val>
-                                            <p:strVal val="#ppt_x"/>
-                                          </p:val>
-                                        </p:tav>
-                                      </p:tavLst>
-                                    </p:anim>
-                                    <p:anim calcmode="lin" valueType="num">
-                                      <p:cBhvr>
-                                        <p:cTn id="13" dur="400" fill="hold"/>
-                                        <p:tgtEl>
-                                          <p:spTgt spid="77"/>
-                                        </p:tgtEl>
-                                        <p:attrNameLst>
-                                          <p:attrName>ppt_y</p:attrName>
-                                        </p:attrNameLst>
-                                      </p:cBhvr>
-                                      <p:tavLst>
-                                        <p:tav tm="0">
-                                          <p:val>
-                                            <p:strVal val="#ppt_y"/>
-                                          </p:val>
-                                        </p:tav>
-                                        <p:tav tm="100000">
-                                          <p:val>
-                                            <p:strVal val="#ppt_y"/>
-                                          </p:val>
-                                        </p:tav>
-                                      </p:tavLst>
-                                    </p:anim>
-                                    <p:anim calcmode="lin" valueType="num">
-                                      <p:cBhvr>
-                                        <p:cTn id="14" dur="400" fill="hold"/>
-                                        <p:tgtEl>
-                                          <p:spTgt spid="77"/>
-                                        </p:tgtEl>
-                                        <p:attrNameLst>
-                                          <p:attrName>ppt_h</p:attrName>
-                                        </p:attrNameLst>
-                                      </p:cBhvr>
-                                      <p:tavLst>
-                                        <p:tav tm="0">
-                                          <p:val>
-                                            <p:strVal val="#ppt_h/10"/>
-                                          </p:val>
-                                        </p:tav>
-                                        <p:tav tm="50000">
-                                          <p:val>
-                                            <p:strVal val="#ppt_h+.01"/>
-                                          </p:val>
-                                        </p:tav>
-                                        <p:tav tm="100000">
-                                          <p:val>
-                                            <p:strVal val="#ppt_h"/>
-                                          </p:val>
-                                        </p:tav>
-                                      </p:tavLst>
-                                    </p:anim>
-                                    <p:anim calcmode="lin" valueType="num">
-                                      <p:cBhvr>
-                                        <p:cTn id="15" dur="400" fill="hold"/>
-                                        <p:tgtEl>
-                                          <p:spTgt spid="77"/>
-                                        </p:tgtEl>
-                                        <p:attrNameLst>
-                                          <p:attrName>ppt_w</p:attrName>
-                                        </p:attrNameLst>
-                                      </p:cBhvr>
-                                      <p:tavLst>
-                                        <p:tav tm="0">
-                                          <p:val>
-                                            <p:strVal val="#ppt_w/10"/>
-                                          </p:val>
-                                        </p:tav>
-                                        <p:tav tm="50000">
-                                          <p:val>
-                                            <p:strVal val="#ppt_w+.01"/>
-                                          </p:val>
-                                        </p:tav>
-                                        <p:tav tm="100000">
-                                          <p:val>
-                                            <p:strVal val="#ppt_w"/>
-                                          </p:val>
-                                        </p:tav>
-                                      </p:tavLst>
-                                    </p:anim>
-                                    <p:animEffect transition="in" filter="fade">
-                                      <p:cBhvr>
-                                        <p:cTn id="16" dur="400" tmFilter="0,0; .5, 1; 1, 1"/>
-                                        <p:tgtEl>
-                                          <p:spTgt spid="77"/>
-                                        </p:tgtEl>
-                                      </p:cBhvr>
-                                    </p:animEffect>
-                                  </p:childTnLst>
-                                </p:cTn>
-                              </p:par>
-                            </p:childTnLst>
-                          </p:cTn>
-                        </p:par>
-                      </p:childTnLst>
-                    </p:cTn>
-                  </p:par>
-                </p:childTnLst>
-              </p:cTn>
-              <p:prevCondLst>
-                <p:cond evt="onPrev" delay="0">
-                  <p:tgtEl>
-                    <p:sldTgt/>
-                  </p:tgtEl>
-                </p:cond>
-              </p:prevCondLst>
-              <p:nextCondLst>
-                <p:cond evt="onNext" delay="0">
-                  <p:tgtEl>
-                    <p:sldTgt/>
-                  </p:tgtEl>
-                </p:cond>
-              </p:nextCondLst>
-            </p:seq>
-          </p:childTnLst>
-        </p:cTn>
-      </p:par>
-    </p:tnLst>
-    <p:bldLst>
-      <p:bldP spid="77" grpId="0"/>
-      <p:bldP spid="27" grpId="0" animBg="1"/>
-    </p:bldLst>
-  </p:timing>
-</p:sld>
-</file>
-
-<file path=ppt/slides/slide19.xml><?xml version="1.0" encoding="utf-8"?>
-<p:sld xmlns:a="http://schemas.openxmlformats.org/drawingml/2006/main" xmlns:r="http://schemas.openxmlformats.org/officeDocument/2006/relationships" xmlns:p="http://schemas.openxmlformats.org/presentationml/2006/main">
-  <p:cSld>
-    <p:bg>
-      <p:bgPr>
-        <a:solidFill>
-          <a:srgbClr val="AF2019"/>
-        </a:solidFill>
-        <a:effectLst/>
-      </p:bgPr>
-    </p:bg>
-    <p:spTree>
-      <p:nvGrpSpPr>
-        <p:cNvPr id="1" name=""/>
-        <p:cNvGrpSpPr/>
-        <p:nvPr/>
-      </p:nvGrpSpPr>
-      <p:grpSpPr>
-        <a:xfrm>
-          <a:off x="0" y="0"/>
-          <a:ext cx="0" cy="0"/>
-          <a:chOff x="0" y="0"/>
-          <a:chExt cx="0" cy="0"/>
-        </a:xfrm>
-      </p:grpSpPr>
-      <p:sp>
-        <p:nvSpPr>
-          <p:cNvPr id="22" name="矩形 21"/>
-          <p:cNvSpPr/>
-          <p:nvPr/>
-        </p:nvSpPr>
-        <p:spPr bwMode="auto">
-          <a:xfrm>
-            <a:off x="0" y="666517"/>
-            <a:ext cx="12196763" cy="6002843"/>
-          </a:xfrm>
-          <a:prstGeom prst="rect">
-            <a:avLst/>
-          </a:prstGeom>
-          <a:solidFill>
-            <a:schemeClr val="bg2">
-              <a:lumMod val="20000"/>
-              <a:lumOff val="80000"/>
-            </a:schemeClr>
-          </a:solidFill>
-          <a:ln w="9525" cap="flat" cmpd="sng" algn="ctr">
-            <a:noFill/>
-            <a:prstDash val="solid"/>
-            <a:round/>
-            <a:headEnd type="none" w="med" len="med"/>
-            <a:tailEnd type="none" w="med" len="med"/>
-          </a:ln>
-          <a:effectLst/>
-          <a:extLst/>
-        </p:spPr>
-        <p:txBody>
-          <a:bodyPr vert="horz" wrap="square" lIns="91440" tIns="45720" rIns="91440" bIns="45720" numCol="1" rtlCol="0" anchor="t" anchorCtr="0" compatLnSpc="1">
-            <a:prstTxWarp prst="textNoShape">
-              <a:avLst/>
-            </a:prstTxWarp>
-          </a:bodyPr>
-          <a:lstStyle/>
-          <a:p>
-            <a:endParaRPr lang="zh-CN" altLang="en-US" dirty="0" smtClean="0">
-              <a:solidFill>
-                <a:srgbClr val="C4261D"/>
-              </a:solidFill>
-            </a:endParaRPr>
-          </a:p>
-        </p:txBody>
-      </p:sp>
-      <p:sp>
-        <p:nvSpPr>
-          <p:cNvPr id="77" name="TextBox 76"/>
-          <p:cNvSpPr txBox="1"/>
-          <p:nvPr/>
-        </p:nvSpPr>
-        <p:spPr>
-          <a:xfrm>
-            <a:off x="434670" y="174412"/>
-            <a:ext cx="5262979" cy="430887"/>
-          </a:xfrm>
-          <a:prstGeom prst="rect">
-            <a:avLst/>
-          </a:prstGeom>
-          <a:noFill/>
-        </p:spPr>
-        <p:txBody>
-          <a:bodyPr wrap="none" rtlCol="0">
-            <a:spAutoFit/>
-          </a:bodyPr>
-          <a:lstStyle/>
-          <a:p>
-            <a:r>
-              <a:rPr lang="zh-CN" altLang="en-US" sz="2200" dirty="0" smtClean="0">
-                <a:solidFill>
-                  <a:srgbClr val="C2C1C1">
-                    <a:lumMod val="20000"/>
-                    <a:lumOff val="80000"/>
-                  </a:srgbClr>
-                </a:solidFill>
-                <a:latin typeface="微软雅黑"/>
-                <a:ea typeface="微软雅黑"/>
-              </a:rPr>
-              <a:t>线程生命周期及状态转换（英文详细版）</a:t>
-            </a:r>
-            <a:endParaRPr lang="zh-CN" altLang="en-US" sz="2200" dirty="0">
-              <a:solidFill>
-                <a:srgbClr val="C2C1C1">
-                  <a:lumMod val="20000"/>
-                  <a:lumOff val="80000"/>
-                </a:srgbClr>
-              </a:solidFill>
-              <a:latin typeface="微软雅黑"/>
-              <a:ea typeface="微软雅黑"/>
-            </a:endParaRPr>
-          </a:p>
-        </p:txBody>
-      </p:sp>
-      <p:sp>
-        <p:nvSpPr>
-          <p:cNvPr id="27" name="矩形 26"/>
-          <p:cNvSpPr/>
-          <p:nvPr/>
-        </p:nvSpPr>
-        <p:spPr bwMode="auto">
-          <a:xfrm>
-            <a:off x="0" y="238581"/>
-            <a:ext cx="409749" cy="333328"/>
-          </a:xfrm>
-          <a:prstGeom prst="rect">
-            <a:avLst/>
-          </a:prstGeom>
-          <a:solidFill>
-            <a:schemeClr val="bg1"/>
-          </a:solidFill>
-          <a:ln w="9525" cap="flat" cmpd="sng" algn="ctr">
-            <a:noFill/>
-            <a:prstDash val="solid"/>
-            <a:round/>
-            <a:headEnd type="none" w="med" len="med"/>
-            <a:tailEnd type="none" w="med" len="med"/>
-          </a:ln>
-          <a:effectLst/>
-          <a:extLst/>
-        </p:spPr>
-        <p:txBody>
-          <a:bodyPr vert="horz" wrap="square" lIns="91440" tIns="45720" rIns="91440" bIns="45720" numCol="1" rtlCol="0" anchor="t" anchorCtr="0" compatLnSpc="1">
-            <a:prstTxWarp prst="textNoShape">
-              <a:avLst/>
-            </a:prstTxWarp>
-          </a:bodyPr>
-          <a:lstStyle/>
-          <a:p>
-            <a:endParaRPr lang="zh-CN" altLang="en-US" smtClean="0">
-              <a:solidFill>
-                <a:srgbClr val="C4261D"/>
-              </a:solidFill>
-            </a:endParaRPr>
-          </a:p>
-        </p:txBody>
-      </p:sp>
-      <p:pic>
-        <p:nvPicPr>
-          <p:cNvPr id="1026" name="Picture 2"/>
-          <p:cNvPicPr>
-            <a:picLocks noChangeAspect="1" noChangeArrowheads="1"/>
-          </p:cNvPicPr>
-          <p:nvPr/>
-        </p:nvPicPr>
-        <p:blipFill>
-          <a:blip r:embed="rId3">
-            <a:extLst>
-              <a:ext uri="{28A0092B-C50C-407E-A947-70E740481C1C}">
-                <a14:useLocalDpi xmlns:a14="http://schemas.microsoft.com/office/drawing/2010/main" val="0"/>
-              </a:ext>
-            </a:extLst>
-          </a:blip>
-          <a:srcRect/>
-          <a:stretch>
-            <a:fillRect/>
-          </a:stretch>
-        </p:blipFill>
-        <p:spPr bwMode="auto">
-          <a:xfrm>
-            <a:off x="2281957" y="669548"/>
-            <a:ext cx="7288460" cy="5732911"/>
-          </a:xfrm>
-          <a:prstGeom prst="rect">
-            <a:avLst/>
-          </a:prstGeom>
-          <a:noFill/>
-          <a:ln>
-            <a:noFill/>
-          </a:ln>
-          <a:extLst>
-            <a:ext uri="{909E8E84-426E-40DD-AFC4-6F175D3DCCD1}">
-              <a14:hiddenFill xmlns:a14="http://schemas.microsoft.com/office/drawing/2010/main">
-                <a:solidFill>
-                  <a:schemeClr val="accent1"/>
-                </a:solidFill>
-              </a14:hiddenFill>
-            </a:ext>
-            <a:ext uri="{91240B29-F687-4F45-9708-019B960494DF}">
-              <a14:hiddenLine xmlns:a14="http://schemas.microsoft.com/office/drawing/2010/main" w="9525">
-                <a:solidFill>
-                  <a:schemeClr val="tx1"/>
-                </a:solidFill>
-                <a:miter lim="800000"/>
-                <a:headEnd/>
-                <a:tailEnd/>
-              </a14:hiddenLine>
-            </a:ext>
-          </a:extLst>
-        </p:spPr>
-      </p:pic>
-    </p:spTree>
-    <p:extLst>
-      <p:ext uri="{BB962C8B-B14F-4D97-AF65-F5344CB8AC3E}">
-        <p14:creationId xmlns:p14="http://schemas.microsoft.com/office/powerpoint/2010/main" val="3618672339"/>
       </p:ext>
     </p:extLst>
   </p:cSld>
@@ -19074,6 +19029,520 @@
       </p:sp>
       <p:sp>
         <p:nvSpPr>
+          <p:cNvPr id="77" name="TextBox 76"/>
+          <p:cNvSpPr txBox="1"/>
+          <p:nvPr/>
+        </p:nvSpPr>
+        <p:spPr>
+          <a:xfrm>
+            <a:off x="434670" y="174412"/>
+            <a:ext cx="5262979" cy="430887"/>
+          </a:xfrm>
+          <a:prstGeom prst="rect">
+            <a:avLst/>
+          </a:prstGeom>
+          <a:noFill/>
+        </p:spPr>
+        <p:txBody>
+          <a:bodyPr wrap="none" rtlCol="0">
+            <a:spAutoFit/>
+          </a:bodyPr>
+          <a:lstStyle/>
+          <a:p>
+            <a:r>
+              <a:rPr lang="zh-CN" altLang="en-US" sz="2200" dirty="0" smtClean="0">
+                <a:solidFill>
+                  <a:srgbClr val="C2C1C1">
+                    <a:lumMod val="20000"/>
+                    <a:lumOff val="80000"/>
+                  </a:srgbClr>
+                </a:solidFill>
+                <a:latin typeface="微软雅黑"/>
+                <a:ea typeface="微软雅黑"/>
+              </a:rPr>
+              <a:t>线程生命周期及状态转换（英文详细版）</a:t>
+            </a:r>
+            <a:endParaRPr lang="zh-CN" altLang="en-US" sz="2200" dirty="0">
+              <a:solidFill>
+                <a:srgbClr val="C2C1C1">
+                  <a:lumMod val="20000"/>
+                  <a:lumOff val="80000"/>
+                </a:srgbClr>
+              </a:solidFill>
+              <a:latin typeface="微软雅黑"/>
+              <a:ea typeface="微软雅黑"/>
+            </a:endParaRPr>
+          </a:p>
+        </p:txBody>
+      </p:sp>
+      <p:sp>
+        <p:nvSpPr>
+          <p:cNvPr id="27" name="矩形 26"/>
+          <p:cNvSpPr/>
+          <p:nvPr/>
+        </p:nvSpPr>
+        <p:spPr bwMode="auto">
+          <a:xfrm>
+            <a:off x="0" y="238581"/>
+            <a:ext cx="409749" cy="333328"/>
+          </a:xfrm>
+          <a:prstGeom prst="rect">
+            <a:avLst/>
+          </a:prstGeom>
+          <a:solidFill>
+            <a:schemeClr val="bg1"/>
+          </a:solidFill>
+          <a:ln w="9525" cap="flat" cmpd="sng" algn="ctr">
+            <a:noFill/>
+            <a:prstDash val="solid"/>
+            <a:round/>
+            <a:headEnd type="none" w="med" len="med"/>
+            <a:tailEnd type="none" w="med" len="med"/>
+          </a:ln>
+          <a:effectLst/>
+          <a:extLst/>
+        </p:spPr>
+        <p:txBody>
+          <a:bodyPr vert="horz" wrap="square" lIns="91440" tIns="45720" rIns="91440" bIns="45720" numCol="1" rtlCol="0" anchor="t" anchorCtr="0" compatLnSpc="1">
+            <a:prstTxWarp prst="textNoShape">
+              <a:avLst/>
+            </a:prstTxWarp>
+          </a:bodyPr>
+          <a:lstStyle/>
+          <a:p>
+            <a:endParaRPr lang="zh-CN" altLang="en-US" smtClean="0">
+              <a:solidFill>
+                <a:srgbClr val="C4261D"/>
+              </a:solidFill>
+            </a:endParaRPr>
+          </a:p>
+        </p:txBody>
+      </p:sp>
+      <p:pic>
+        <p:nvPicPr>
+          <p:cNvPr id="1026" name="Picture 2"/>
+          <p:cNvPicPr>
+            <a:picLocks noChangeAspect="1" noChangeArrowheads="1"/>
+          </p:cNvPicPr>
+          <p:nvPr/>
+        </p:nvPicPr>
+        <p:blipFill>
+          <a:blip r:embed="rId3">
+            <a:extLst>
+              <a:ext uri="{28A0092B-C50C-407E-A947-70E740481C1C}">
+                <a14:useLocalDpi xmlns:a14="http://schemas.microsoft.com/office/drawing/2010/main" val="0"/>
+              </a:ext>
+            </a:extLst>
+          </a:blip>
+          <a:srcRect/>
+          <a:stretch>
+            <a:fillRect/>
+          </a:stretch>
+        </p:blipFill>
+        <p:spPr bwMode="auto">
+          <a:xfrm>
+            <a:off x="2281957" y="669548"/>
+            <a:ext cx="7288460" cy="5732911"/>
+          </a:xfrm>
+          <a:prstGeom prst="rect">
+            <a:avLst/>
+          </a:prstGeom>
+          <a:noFill/>
+          <a:ln>
+            <a:noFill/>
+          </a:ln>
+          <a:extLst>
+            <a:ext uri="{909E8E84-426E-40DD-AFC4-6F175D3DCCD1}">
+              <a14:hiddenFill xmlns:a14="http://schemas.microsoft.com/office/drawing/2010/main">
+                <a:solidFill>
+                  <a:schemeClr val="accent1"/>
+                </a:solidFill>
+              </a14:hiddenFill>
+            </a:ext>
+            <a:ext uri="{91240B29-F687-4F45-9708-019B960494DF}">
+              <a14:hiddenLine xmlns:a14="http://schemas.microsoft.com/office/drawing/2010/main" w="9525">
+                <a:solidFill>
+                  <a:schemeClr val="tx1"/>
+                </a:solidFill>
+                <a:miter lim="800000"/>
+                <a:headEnd/>
+                <a:tailEnd/>
+              </a14:hiddenLine>
+            </a:ext>
+          </a:extLst>
+        </p:spPr>
+      </p:pic>
+    </p:spTree>
+    <p:extLst>
+      <p:ext uri="{BB962C8B-B14F-4D97-AF65-F5344CB8AC3E}">
+        <p14:creationId xmlns:p14="http://schemas.microsoft.com/office/powerpoint/2010/main" val="3618672339"/>
+      </p:ext>
+    </p:extLst>
+  </p:cSld>
+  <p:clrMapOvr>
+    <a:masterClrMapping/>
+  </p:clrMapOvr>
+  <p:transition spd="slow" advTm="7876">
+    <p:wipe/>
+  </p:transition>
+  <p:timing>
+    <p:tnLst>
+      <p:par>
+        <p:cTn id="1" dur="indefinite" restart="never" nodeType="tmRoot">
+          <p:childTnLst>
+            <p:seq concurrent="1" nextAc="seek">
+              <p:cTn id="2" dur="indefinite" nodeType="mainSeq">
+                <p:childTnLst>
+                  <p:par>
+                    <p:cTn id="3" fill="hold">
+                      <p:stCondLst>
+                        <p:cond delay="indefinite"/>
+                        <p:cond evt="onBegin" delay="0">
+                          <p:tn val="2"/>
+                        </p:cond>
+                      </p:stCondLst>
+                      <p:childTnLst>
+                        <p:par>
+                          <p:cTn id="4" fill="hold">
+                            <p:stCondLst>
+                              <p:cond delay="0"/>
+                            </p:stCondLst>
+                            <p:childTnLst>
+                              <p:par>
+                                <p:cTn id="5" presetID="2" presetClass="entr" presetSubtype="8" fill="hold" grpId="0" nodeType="afterEffect">
+                                  <p:stCondLst>
+                                    <p:cond delay="0"/>
+                                  </p:stCondLst>
+                                  <p:childTnLst>
+                                    <p:set>
+                                      <p:cBhvr>
+                                        <p:cTn id="6" dur="1" fill="hold">
+                                          <p:stCondLst>
+                                            <p:cond delay="0"/>
+                                          </p:stCondLst>
+                                        </p:cTn>
+                                        <p:tgtEl>
+                                          <p:spTgt spid="27"/>
+                                        </p:tgtEl>
+                                        <p:attrNameLst>
+                                          <p:attrName>style.visibility</p:attrName>
+                                        </p:attrNameLst>
+                                      </p:cBhvr>
+                                      <p:to>
+                                        <p:strVal val="visible"/>
+                                      </p:to>
+                                    </p:set>
+                                    <p:anim calcmode="lin" valueType="num">
+                                      <p:cBhvr additive="base">
+                                        <p:cTn id="7" dur="300" fill="hold"/>
+                                        <p:tgtEl>
+                                          <p:spTgt spid="27"/>
+                                        </p:tgtEl>
+                                        <p:attrNameLst>
+                                          <p:attrName>ppt_x</p:attrName>
+                                        </p:attrNameLst>
+                                      </p:cBhvr>
+                                      <p:tavLst>
+                                        <p:tav tm="0">
+                                          <p:val>
+                                            <p:strVal val="0-#ppt_w/2"/>
+                                          </p:val>
+                                        </p:tav>
+                                        <p:tav tm="100000">
+                                          <p:val>
+                                            <p:strVal val="#ppt_x"/>
+                                          </p:val>
+                                        </p:tav>
+                                      </p:tavLst>
+                                    </p:anim>
+                                    <p:anim calcmode="lin" valueType="num">
+                                      <p:cBhvr additive="base">
+                                        <p:cTn id="8" dur="300" fill="hold"/>
+                                        <p:tgtEl>
+                                          <p:spTgt spid="27"/>
+                                        </p:tgtEl>
+                                        <p:attrNameLst>
+                                          <p:attrName>ppt_y</p:attrName>
+                                        </p:attrNameLst>
+                                      </p:cBhvr>
+                                      <p:tavLst>
+                                        <p:tav tm="0">
+                                          <p:val>
+                                            <p:strVal val="#ppt_y"/>
+                                          </p:val>
+                                        </p:tav>
+                                        <p:tav tm="100000">
+                                          <p:val>
+                                            <p:strVal val="#ppt_y"/>
+                                          </p:val>
+                                        </p:tav>
+                                      </p:tavLst>
+                                    </p:anim>
+                                  </p:childTnLst>
+                                </p:cTn>
+                              </p:par>
+                            </p:childTnLst>
+                          </p:cTn>
+                        </p:par>
+                        <p:par>
+                          <p:cTn id="9" fill="hold">
+                            <p:stCondLst>
+                              <p:cond delay="300"/>
+                            </p:stCondLst>
+                            <p:childTnLst>
+                              <p:par>
+                                <p:cTn id="10" presetID="41" presetClass="entr" presetSubtype="0" fill="hold" grpId="0" nodeType="afterEffect">
+                                  <p:stCondLst>
+                                    <p:cond delay="0"/>
+                                  </p:stCondLst>
+                                  <p:iterate type="lt">
+                                    <p:tmPct val="10000"/>
+                                  </p:iterate>
+                                  <p:childTnLst>
+                                    <p:set>
+                                      <p:cBhvr>
+                                        <p:cTn id="11" dur="1" fill="hold">
+                                          <p:stCondLst>
+                                            <p:cond delay="0"/>
+                                          </p:stCondLst>
+                                        </p:cTn>
+                                        <p:tgtEl>
+                                          <p:spTgt spid="77"/>
+                                        </p:tgtEl>
+                                        <p:attrNameLst>
+                                          <p:attrName>style.visibility</p:attrName>
+                                        </p:attrNameLst>
+                                      </p:cBhvr>
+                                      <p:to>
+                                        <p:strVal val="visible"/>
+                                      </p:to>
+                                    </p:set>
+                                    <p:anim calcmode="lin" valueType="num">
+                                      <p:cBhvr>
+                                        <p:cTn id="12" dur="400" fill="hold"/>
+                                        <p:tgtEl>
+                                          <p:spTgt spid="77"/>
+                                        </p:tgtEl>
+                                        <p:attrNameLst>
+                                          <p:attrName>ppt_x</p:attrName>
+                                        </p:attrNameLst>
+                                      </p:cBhvr>
+                                      <p:tavLst>
+                                        <p:tav tm="0">
+                                          <p:val>
+                                            <p:strVal val="#ppt_x"/>
+                                          </p:val>
+                                        </p:tav>
+                                        <p:tav tm="50000">
+                                          <p:val>
+                                            <p:strVal val="#ppt_x+.1"/>
+                                          </p:val>
+                                        </p:tav>
+                                        <p:tav tm="100000">
+                                          <p:val>
+                                            <p:strVal val="#ppt_x"/>
+                                          </p:val>
+                                        </p:tav>
+                                      </p:tavLst>
+                                    </p:anim>
+                                    <p:anim calcmode="lin" valueType="num">
+                                      <p:cBhvr>
+                                        <p:cTn id="13" dur="400" fill="hold"/>
+                                        <p:tgtEl>
+                                          <p:spTgt spid="77"/>
+                                        </p:tgtEl>
+                                        <p:attrNameLst>
+                                          <p:attrName>ppt_y</p:attrName>
+                                        </p:attrNameLst>
+                                      </p:cBhvr>
+                                      <p:tavLst>
+                                        <p:tav tm="0">
+                                          <p:val>
+                                            <p:strVal val="#ppt_y"/>
+                                          </p:val>
+                                        </p:tav>
+                                        <p:tav tm="100000">
+                                          <p:val>
+                                            <p:strVal val="#ppt_y"/>
+                                          </p:val>
+                                        </p:tav>
+                                      </p:tavLst>
+                                    </p:anim>
+                                    <p:anim calcmode="lin" valueType="num">
+                                      <p:cBhvr>
+                                        <p:cTn id="14" dur="400" fill="hold"/>
+                                        <p:tgtEl>
+                                          <p:spTgt spid="77"/>
+                                        </p:tgtEl>
+                                        <p:attrNameLst>
+                                          <p:attrName>ppt_h</p:attrName>
+                                        </p:attrNameLst>
+                                      </p:cBhvr>
+                                      <p:tavLst>
+                                        <p:tav tm="0">
+                                          <p:val>
+                                            <p:strVal val="#ppt_h/10"/>
+                                          </p:val>
+                                        </p:tav>
+                                        <p:tav tm="50000">
+                                          <p:val>
+                                            <p:strVal val="#ppt_h+.01"/>
+                                          </p:val>
+                                        </p:tav>
+                                        <p:tav tm="100000">
+                                          <p:val>
+                                            <p:strVal val="#ppt_h"/>
+                                          </p:val>
+                                        </p:tav>
+                                      </p:tavLst>
+                                    </p:anim>
+                                    <p:anim calcmode="lin" valueType="num">
+                                      <p:cBhvr>
+                                        <p:cTn id="15" dur="400" fill="hold"/>
+                                        <p:tgtEl>
+                                          <p:spTgt spid="77"/>
+                                        </p:tgtEl>
+                                        <p:attrNameLst>
+                                          <p:attrName>ppt_w</p:attrName>
+                                        </p:attrNameLst>
+                                      </p:cBhvr>
+                                      <p:tavLst>
+                                        <p:tav tm="0">
+                                          <p:val>
+                                            <p:strVal val="#ppt_w/10"/>
+                                          </p:val>
+                                        </p:tav>
+                                        <p:tav tm="50000">
+                                          <p:val>
+                                            <p:strVal val="#ppt_w+.01"/>
+                                          </p:val>
+                                        </p:tav>
+                                        <p:tav tm="100000">
+                                          <p:val>
+                                            <p:strVal val="#ppt_w"/>
+                                          </p:val>
+                                        </p:tav>
+                                      </p:tavLst>
+                                    </p:anim>
+                                    <p:animEffect transition="in" filter="fade">
+                                      <p:cBhvr>
+                                        <p:cTn id="16" dur="400" tmFilter="0,0; .5, 1; 1, 1"/>
+                                        <p:tgtEl>
+                                          <p:spTgt spid="77"/>
+                                        </p:tgtEl>
+                                      </p:cBhvr>
+                                    </p:animEffect>
+                                  </p:childTnLst>
+                                </p:cTn>
+                              </p:par>
+                            </p:childTnLst>
+                          </p:cTn>
+                        </p:par>
+                      </p:childTnLst>
+                    </p:cTn>
+                  </p:par>
+                </p:childTnLst>
+              </p:cTn>
+              <p:prevCondLst>
+                <p:cond evt="onPrev" delay="0">
+                  <p:tgtEl>
+                    <p:sldTgt/>
+                  </p:tgtEl>
+                </p:cond>
+              </p:prevCondLst>
+              <p:nextCondLst>
+                <p:cond evt="onNext" delay="0">
+                  <p:tgtEl>
+                    <p:sldTgt/>
+                  </p:tgtEl>
+                </p:cond>
+              </p:nextCondLst>
+            </p:seq>
+          </p:childTnLst>
+        </p:cTn>
+      </p:par>
+    </p:tnLst>
+    <p:bldLst>
+      <p:bldP spid="77" grpId="0"/>
+      <p:bldP spid="27" grpId="0" animBg="1"/>
+    </p:bldLst>
+  </p:timing>
+</p:sld>
+</file>
+
+<file path=ppt/slides/slide21.xml><?xml version="1.0" encoding="utf-8"?>
+<p:sld xmlns:a="http://schemas.openxmlformats.org/drawingml/2006/main" xmlns:r="http://schemas.openxmlformats.org/officeDocument/2006/relationships" xmlns:p="http://schemas.openxmlformats.org/presentationml/2006/main">
+  <p:cSld>
+    <p:bg>
+      <p:bgPr>
+        <a:solidFill>
+          <a:srgbClr val="AF2019"/>
+        </a:solidFill>
+        <a:effectLst/>
+      </p:bgPr>
+    </p:bg>
+    <p:spTree>
+      <p:nvGrpSpPr>
+        <p:cNvPr id="1" name=""/>
+        <p:cNvGrpSpPr/>
+        <p:nvPr/>
+      </p:nvGrpSpPr>
+      <p:grpSpPr>
+        <a:xfrm>
+          <a:off x="0" y="0"/>
+          <a:ext cx="0" cy="0"/>
+          <a:chOff x="0" y="0"/>
+          <a:chExt cx="0" cy="0"/>
+        </a:xfrm>
+      </p:grpSpPr>
+      <p:sp>
+        <p:nvSpPr>
+          <p:cNvPr id="22" name="矩形 21"/>
+          <p:cNvSpPr/>
+          <p:nvPr/>
+        </p:nvSpPr>
+        <p:spPr bwMode="auto">
+          <a:xfrm>
+            <a:off x="0" y="666517"/>
+            <a:ext cx="12196763" cy="6002843"/>
+          </a:xfrm>
+          <a:prstGeom prst="rect">
+            <a:avLst/>
+          </a:prstGeom>
+          <a:solidFill>
+            <a:schemeClr val="bg2">
+              <a:lumMod val="20000"/>
+              <a:lumOff val="80000"/>
+            </a:schemeClr>
+          </a:solidFill>
+          <a:ln w="9525" cap="flat" cmpd="sng" algn="ctr">
+            <a:noFill/>
+            <a:prstDash val="solid"/>
+            <a:round/>
+            <a:headEnd type="none" w="med" len="med"/>
+            <a:tailEnd type="none" w="med" len="med"/>
+          </a:ln>
+          <a:effectLst/>
+          <a:extLst/>
+        </p:spPr>
+        <p:txBody>
+          <a:bodyPr vert="horz" wrap="square" lIns="91440" tIns="45720" rIns="91440" bIns="45720" numCol="1" rtlCol="0" anchor="t" anchorCtr="0" compatLnSpc="1">
+            <a:prstTxWarp prst="textNoShape">
+              <a:avLst/>
+            </a:prstTxWarp>
+          </a:bodyPr>
+          <a:lstStyle/>
+          <a:p>
+            <a:endParaRPr lang="zh-CN" altLang="en-US" dirty="0" smtClean="0">
+              <a:solidFill>
+                <a:srgbClr val="C4261D"/>
+              </a:solidFill>
+            </a:endParaRPr>
+          </a:p>
+        </p:txBody>
+      </p:sp>
+      <p:sp>
+        <p:nvSpPr>
           <p:cNvPr id="27" name="矩形 26"/>
           <p:cNvSpPr/>
           <p:nvPr/>
@@ -19406,7 +19875,7 @@
 </p:sld>
 </file>
 
-<file path=ppt/slides/slide21.xml><?xml version="1.0" encoding="utf-8"?>
+<file path=ppt/slides/slide22.xml><?xml version="1.0" encoding="utf-8"?>
 <p:sld xmlns:a="http://schemas.openxmlformats.org/drawingml/2006/main" xmlns:r="http://schemas.openxmlformats.org/officeDocument/2006/relationships" xmlns:p="http://schemas.openxmlformats.org/presentationml/2006/main">
   <p:cSld>
     <p:bg>
@@ -19811,7 +20280,7 @@
 </p:sld>
 </file>
 
-<file path=ppt/slides/slide22.xml><?xml version="1.0" encoding="utf-8"?>
+<file path=ppt/slides/slide23.xml><?xml version="1.0" encoding="utf-8"?>
 <p:sld xmlns:a="http://schemas.openxmlformats.org/drawingml/2006/main" xmlns:r="http://schemas.openxmlformats.org/officeDocument/2006/relationships" xmlns:p="http://schemas.openxmlformats.org/presentationml/2006/main">
   <p:cSld>
     <p:bg>
@@ -20405,7 +20874,7 @@
 </p:sld>
 </file>
 
-<file path=ppt/slides/slide23.xml><?xml version="1.0" encoding="utf-8"?>
+<file path=ppt/slides/slide24.xml><?xml version="1.0" encoding="utf-8"?>
 <p:sld xmlns:a="http://schemas.openxmlformats.org/drawingml/2006/main" xmlns:r="http://schemas.openxmlformats.org/officeDocument/2006/relationships" xmlns:p="http://schemas.openxmlformats.org/presentationml/2006/main">
   <p:cSld>
     <p:bg>
@@ -20810,7 +21279,7 @@
 </p:sld>
 </file>
 
-<file path=ppt/slides/slide24.xml><?xml version="1.0" encoding="utf-8"?>
+<file path=ppt/slides/slide25.xml><?xml version="1.0" encoding="utf-8"?>
 <p:sld xmlns:a="http://schemas.openxmlformats.org/drawingml/2006/main" xmlns:r="http://schemas.openxmlformats.org/officeDocument/2006/relationships" xmlns:p="http://schemas.openxmlformats.org/presentationml/2006/main">
   <p:cSld>
     <p:bg>
@@ -21458,7 +21927,7 @@
 </p:sld>
 </file>
 
-<file path=ppt/slides/slide25.xml><?xml version="1.0" encoding="utf-8"?>
+<file path=ppt/slides/slide26.xml><?xml version="1.0" encoding="utf-8"?>
 <p:sld xmlns:a="http://schemas.openxmlformats.org/drawingml/2006/main" xmlns:r="http://schemas.openxmlformats.org/officeDocument/2006/relationships" xmlns:p="http://schemas.openxmlformats.org/presentationml/2006/main">
   <p:cSld>
     <p:bg>
@@ -21863,7 +22332,7 @@
 </p:sld>
 </file>
 
-<file path=ppt/slides/slide26.xml><?xml version="1.0" encoding="utf-8"?>
+<file path=ppt/slides/slide27.xml><?xml version="1.0" encoding="utf-8"?>
 <p:sld xmlns:a="http://schemas.openxmlformats.org/drawingml/2006/main" xmlns:r="http://schemas.openxmlformats.org/officeDocument/2006/relationships" xmlns:p="http://schemas.openxmlformats.org/presentationml/2006/main">
   <p:cSld>
     <p:bg>
@@ -22457,7 +22926,7 @@
 </p:sld>
 </file>
 
-<file path=ppt/slides/slide27.xml><?xml version="1.0" encoding="utf-8"?>
+<file path=ppt/slides/slide28.xml><?xml version="1.0" encoding="utf-8"?>
 <p:sld xmlns:a="http://schemas.openxmlformats.org/drawingml/2006/main" xmlns:r="http://schemas.openxmlformats.org/officeDocument/2006/relationships" xmlns:p="http://schemas.openxmlformats.org/presentationml/2006/main">
   <p:cSld>
     <p:bg>
@@ -22862,7 +23331,7 @@
 </p:sld>
 </file>
 
-<file path=ppt/slides/slide28.xml><?xml version="1.0" encoding="utf-8"?>
+<file path=ppt/slides/slide29.xml><?xml version="1.0" encoding="utf-8"?>
 <p:sld xmlns:a="http://schemas.openxmlformats.org/drawingml/2006/main" xmlns:r="http://schemas.openxmlformats.org/officeDocument/2006/relationships" xmlns:p="http://schemas.openxmlformats.org/presentationml/2006/main">
   <p:cSld>
     <p:bg>
@@ -23456,7 +23925,358 @@
 </p:sld>
 </file>
 
-<file path=ppt/slides/slide29.xml><?xml version="1.0" encoding="utf-8"?>
+<file path=ppt/slides/slide3.xml><?xml version="1.0" encoding="utf-8"?>
+<p:sld xmlns:a="http://schemas.openxmlformats.org/drawingml/2006/main" xmlns:r="http://schemas.openxmlformats.org/officeDocument/2006/relationships" xmlns:p="http://schemas.openxmlformats.org/presentationml/2006/main">
+  <p:cSld>
+    <p:bg>
+      <p:bgPr>
+        <a:solidFill>
+          <a:srgbClr val="AF2019"/>
+        </a:solidFill>
+        <a:effectLst/>
+      </p:bgPr>
+    </p:bg>
+    <p:spTree>
+      <p:nvGrpSpPr>
+        <p:cNvPr id="1" name=""/>
+        <p:cNvGrpSpPr/>
+        <p:nvPr/>
+      </p:nvGrpSpPr>
+      <p:grpSpPr>
+        <a:xfrm>
+          <a:off x="0" y="0"/>
+          <a:ext cx="0" cy="0"/>
+          <a:chOff x="0" y="0"/>
+          <a:chExt cx="0" cy="0"/>
+        </a:xfrm>
+      </p:grpSpPr>
+      <p:sp>
+        <p:nvSpPr>
+          <p:cNvPr id="22" name="矩形 21"/>
+          <p:cNvSpPr/>
+          <p:nvPr/>
+        </p:nvSpPr>
+        <p:spPr bwMode="auto">
+          <a:xfrm>
+            <a:off x="0" y="666517"/>
+            <a:ext cx="12196763" cy="6002843"/>
+          </a:xfrm>
+          <a:prstGeom prst="rect">
+            <a:avLst/>
+          </a:prstGeom>
+          <a:solidFill>
+            <a:schemeClr val="bg2">
+              <a:lumMod val="20000"/>
+              <a:lumOff val="80000"/>
+            </a:schemeClr>
+          </a:solidFill>
+          <a:ln w="9525" cap="flat" cmpd="sng" algn="ctr">
+            <a:noFill/>
+            <a:prstDash val="solid"/>
+            <a:round/>
+            <a:headEnd type="none" w="med" len="med"/>
+            <a:tailEnd type="none" w="med" len="med"/>
+          </a:ln>
+          <a:effectLst/>
+          <a:extLst/>
+        </p:spPr>
+        <p:txBody>
+          <a:bodyPr vert="horz" wrap="square" lIns="91440" tIns="45720" rIns="91440" bIns="45720" numCol="1" rtlCol="0" anchor="t" anchorCtr="0" compatLnSpc="1">
+            <a:prstTxWarp prst="textNoShape">
+              <a:avLst/>
+            </a:prstTxWarp>
+          </a:bodyPr>
+          <a:lstStyle/>
+          <a:p>
+            <a:endParaRPr lang="zh-CN" altLang="en-US" dirty="0" smtClean="0">
+              <a:solidFill>
+                <a:srgbClr val="C4261D"/>
+              </a:solidFill>
+            </a:endParaRPr>
+          </a:p>
+        </p:txBody>
+      </p:sp>
+      <p:sp>
+        <p:nvSpPr>
+          <p:cNvPr id="27" name="矩形 26"/>
+          <p:cNvSpPr/>
+          <p:nvPr/>
+        </p:nvSpPr>
+        <p:spPr bwMode="auto">
+          <a:xfrm>
+            <a:off x="0" y="238581"/>
+            <a:ext cx="409749" cy="333328"/>
+          </a:xfrm>
+          <a:prstGeom prst="rect">
+            <a:avLst/>
+          </a:prstGeom>
+          <a:solidFill>
+            <a:schemeClr val="bg1"/>
+          </a:solidFill>
+          <a:ln w="9525" cap="flat" cmpd="sng" algn="ctr">
+            <a:noFill/>
+            <a:prstDash val="solid"/>
+            <a:round/>
+            <a:headEnd type="none" w="med" len="med"/>
+            <a:tailEnd type="none" w="med" len="med"/>
+          </a:ln>
+          <a:effectLst/>
+          <a:extLst/>
+        </p:spPr>
+        <p:txBody>
+          <a:bodyPr vert="horz" wrap="square" lIns="91440" tIns="45720" rIns="91440" bIns="45720" numCol="1" rtlCol="0" anchor="t" anchorCtr="0" compatLnSpc="1">
+            <a:prstTxWarp prst="textNoShape">
+              <a:avLst/>
+            </a:prstTxWarp>
+          </a:bodyPr>
+          <a:lstStyle/>
+          <a:p>
+            <a:endParaRPr lang="zh-CN" altLang="en-US" smtClean="0">
+              <a:solidFill>
+                <a:srgbClr val="C4261D"/>
+              </a:solidFill>
+            </a:endParaRPr>
+          </a:p>
+        </p:txBody>
+      </p:sp>
+      <p:sp>
+        <p:nvSpPr>
+          <p:cNvPr id="6" name="矩形 5"/>
+          <p:cNvSpPr/>
+          <p:nvPr/>
+        </p:nvSpPr>
+        <p:spPr bwMode="auto">
+          <a:xfrm>
+            <a:off x="1417861" y="2597823"/>
+            <a:ext cx="9505056" cy="1263225"/>
+          </a:xfrm>
+          <a:prstGeom prst="rect">
+            <a:avLst/>
+          </a:prstGeom>
+          <a:solidFill>
+            <a:schemeClr val="tx1"/>
+          </a:solidFill>
+          <a:ln w="9525" cap="flat" cmpd="sng" algn="ctr">
+            <a:noFill/>
+            <a:prstDash val="solid"/>
+            <a:round/>
+            <a:headEnd type="none" w="med" len="med"/>
+            <a:tailEnd type="none" w="med" len="med"/>
+          </a:ln>
+          <a:effectLst/>
+          <a:extLst/>
+        </p:spPr>
+        <p:txBody>
+          <a:bodyPr vert="horz" wrap="square" lIns="91440" tIns="45720" rIns="91440" bIns="45720" numCol="1" rtlCol="0" anchor="t" anchorCtr="0" compatLnSpc="1">
+            <a:prstTxWarp prst="textNoShape">
+              <a:avLst/>
+            </a:prstTxWarp>
+          </a:bodyPr>
+          <a:lstStyle/>
+          <a:p>
+            <a:pPr algn="ctr"/>
+            <a:r>
+              <a:rPr lang="zh-CN" altLang="en-US" sz="6600" i="1" dirty="0" smtClean="0">
+                <a:solidFill>
+                  <a:srgbClr val="F8F8F8"/>
+                </a:solidFill>
+                <a:latin typeface="微软雅黑"/>
+                <a:ea typeface="微软雅黑"/>
+              </a:rPr>
+              <a:t>多线程</a:t>
+            </a:r>
+          </a:p>
+        </p:txBody>
+      </p:sp>
+    </p:spTree>
+    <p:extLst>
+      <p:ext uri="{BB962C8B-B14F-4D97-AF65-F5344CB8AC3E}">
+        <p14:creationId xmlns:p14="http://schemas.microsoft.com/office/powerpoint/2010/main" val="38380432"/>
+      </p:ext>
+    </p:extLst>
+  </p:cSld>
+  <p:clrMapOvr>
+    <a:masterClrMapping/>
+  </p:clrMapOvr>
+  <p:transition spd="slow" advTm="7876">
+    <p:wipe/>
+  </p:transition>
+  <p:timing>
+    <p:tnLst>
+      <p:par>
+        <p:cTn id="1" dur="indefinite" restart="never" nodeType="tmRoot">
+          <p:childTnLst>
+            <p:seq concurrent="1" nextAc="seek">
+              <p:cTn id="2" dur="indefinite" nodeType="mainSeq">
+                <p:childTnLst>
+                  <p:par>
+                    <p:cTn id="3" fill="hold">
+                      <p:stCondLst>
+                        <p:cond delay="indefinite"/>
+                        <p:cond evt="onBegin" delay="0">
+                          <p:tn val="2"/>
+                        </p:cond>
+                      </p:stCondLst>
+                      <p:childTnLst>
+                        <p:par>
+                          <p:cTn id="4" fill="hold">
+                            <p:stCondLst>
+                              <p:cond delay="0"/>
+                            </p:stCondLst>
+                            <p:childTnLst>
+                              <p:par>
+                                <p:cTn id="5" presetID="2" presetClass="entr" presetSubtype="8" fill="hold" grpId="0" nodeType="afterEffect">
+                                  <p:stCondLst>
+                                    <p:cond delay="0"/>
+                                  </p:stCondLst>
+                                  <p:childTnLst>
+                                    <p:set>
+                                      <p:cBhvr>
+                                        <p:cTn id="6" dur="1" fill="hold">
+                                          <p:stCondLst>
+                                            <p:cond delay="0"/>
+                                          </p:stCondLst>
+                                        </p:cTn>
+                                        <p:tgtEl>
+                                          <p:spTgt spid="27"/>
+                                        </p:tgtEl>
+                                        <p:attrNameLst>
+                                          <p:attrName>style.visibility</p:attrName>
+                                        </p:attrNameLst>
+                                      </p:cBhvr>
+                                      <p:to>
+                                        <p:strVal val="visible"/>
+                                      </p:to>
+                                    </p:set>
+                                    <p:anim calcmode="lin" valueType="num">
+                                      <p:cBhvr additive="base">
+                                        <p:cTn id="7" dur="300" fill="hold"/>
+                                        <p:tgtEl>
+                                          <p:spTgt spid="27"/>
+                                        </p:tgtEl>
+                                        <p:attrNameLst>
+                                          <p:attrName>ppt_x</p:attrName>
+                                        </p:attrNameLst>
+                                      </p:cBhvr>
+                                      <p:tavLst>
+                                        <p:tav tm="0">
+                                          <p:val>
+                                            <p:strVal val="0-#ppt_w/2"/>
+                                          </p:val>
+                                        </p:tav>
+                                        <p:tav tm="100000">
+                                          <p:val>
+                                            <p:strVal val="#ppt_x"/>
+                                          </p:val>
+                                        </p:tav>
+                                      </p:tavLst>
+                                    </p:anim>
+                                    <p:anim calcmode="lin" valueType="num">
+                                      <p:cBhvr additive="base">
+                                        <p:cTn id="8" dur="300" fill="hold"/>
+                                        <p:tgtEl>
+                                          <p:spTgt spid="27"/>
+                                        </p:tgtEl>
+                                        <p:attrNameLst>
+                                          <p:attrName>ppt_y</p:attrName>
+                                        </p:attrNameLst>
+                                      </p:cBhvr>
+                                      <p:tavLst>
+                                        <p:tav tm="0">
+                                          <p:val>
+                                            <p:strVal val="#ppt_y"/>
+                                          </p:val>
+                                        </p:tav>
+                                        <p:tav tm="100000">
+                                          <p:val>
+                                            <p:strVal val="#ppt_y"/>
+                                          </p:val>
+                                        </p:tav>
+                                      </p:tavLst>
+                                    </p:anim>
+                                  </p:childTnLst>
+                                </p:cTn>
+                              </p:par>
+                            </p:childTnLst>
+                          </p:cTn>
+                        </p:par>
+                        <p:par>
+                          <p:cTn id="9" fill="hold">
+                            <p:stCondLst>
+                              <p:cond delay="300"/>
+                            </p:stCondLst>
+                            <p:childTnLst>
+                              <p:par>
+                                <p:cTn id="10" presetID="22" presetClass="entr" presetSubtype="2" fill="hold" grpId="0" nodeType="afterEffect">
+                                  <p:stCondLst>
+                                    <p:cond delay="0"/>
+                                  </p:stCondLst>
+                                  <p:childTnLst>
+                                    <p:set>
+                                      <p:cBhvr>
+                                        <p:cTn id="11" dur="1" fill="hold">
+                                          <p:stCondLst>
+                                            <p:cond delay="0"/>
+                                          </p:stCondLst>
+                                        </p:cTn>
+                                        <p:tgtEl>
+                                          <p:spTgt spid="6"/>
+                                        </p:tgtEl>
+                                        <p:attrNameLst>
+                                          <p:attrName>style.visibility</p:attrName>
+                                        </p:attrNameLst>
+                                      </p:cBhvr>
+                                      <p:to>
+                                        <p:strVal val="visible"/>
+                                      </p:to>
+                                    </p:set>
+                                    <p:animEffect transition="in" filter="wipe(right)">
+                                      <p:cBhvr>
+                                        <p:cTn id="12" dur="500"/>
+                                        <p:tgtEl>
+                                          <p:spTgt spid="6"/>
+                                        </p:tgtEl>
+                                      </p:cBhvr>
+                                    </p:animEffect>
+                                  </p:childTnLst>
+                                </p:cTn>
+                              </p:par>
+                            </p:childTnLst>
+                          </p:cTn>
+                        </p:par>
+                      </p:childTnLst>
+                    </p:cTn>
+                  </p:par>
+                </p:childTnLst>
+              </p:cTn>
+              <p:prevCondLst>
+                <p:cond evt="onPrev" delay="0">
+                  <p:tgtEl>
+                    <p:sldTgt/>
+                  </p:tgtEl>
+                </p:cond>
+              </p:prevCondLst>
+              <p:nextCondLst>
+                <p:cond evt="onNext" delay="0">
+                  <p:tgtEl>
+                    <p:sldTgt/>
+                  </p:tgtEl>
+                </p:cond>
+              </p:nextCondLst>
+            </p:seq>
+          </p:childTnLst>
+        </p:cTn>
+      </p:par>
+    </p:tnLst>
+    <p:bldLst>
+      <p:bldP spid="27" grpId="0" animBg="1"/>
+      <p:bldP spid="6" grpId="0" animBg="1"/>
+    </p:bldLst>
+  </p:timing>
+</p:sld>
+</file>
+
+<file path=ppt/slides/slide30.xml><?xml version="1.0" encoding="utf-8"?>
 <p:sld xmlns:a="http://schemas.openxmlformats.org/drawingml/2006/main" xmlns:r="http://schemas.openxmlformats.org/officeDocument/2006/relationships" xmlns:p="http://schemas.openxmlformats.org/presentationml/2006/main">
   <p:cSld>
     <p:bg>
@@ -26177,357 +26997,6 @@
 </p:sld>
 </file>
 
-<file path=ppt/slides/slide3.xml><?xml version="1.0" encoding="utf-8"?>
-<p:sld xmlns:a="http://schemas.openxmlformats.org/drawingml/2006/main" xmlns:r="http://schemas.openxmlformats.org/officeDocument/2006/relationships" xmlns:p="http://schemas.openxmlformats.org/presentationml/2006/main">
-  <p:cSld>
-    <p:bg>
-      <p:bgPr>
-        <a:solidFill>
-          <a:srgbClr val="AF2019"/>
-        </a:solidFill>
-        <a:effectLst/>
-      </p:bgPr>
-    </p:bg>
-    <p:spTree>
-      <p:nvGrpSpPr>
-        <p:cNvPr id="1" name=""/>
-        <p:cNvGrpSpPr/>
-        <p:nvPr/>
-      </p:nvGrpSpPr>
-      <p:grpSpPr>
-        <a:xfrm>
-          <a:off x="0" y="0"/>
-          <a:ext cx="0" cy="0"/>
-          <a:chOff x="0" y="0"/>
-          <a:chExt cx="0" cy="0"/>
-        </a:xfrm>
-      </p:grpSpPr>
-      <p:sp>
-        <p:nvSpPr>
-          <p:cNvPr id="22" name="矩形 21"/>
-          <p:cNvSpPr/>
-          <p:nvPr/>
-        </p:nvSpPr>
-        <p:spPr bwMode="auto">
-          <a:xfrm>
-            <a:off x="0" y="666517"/>
-            <a:ext cx="12196763" cy="6002843"/>
-          </a:xfrm>
-          <a:prstGeom prst="rect">
-            <a:avLst/>
-          </a:prstGeom>
-          <a:solidFill>
-            <a:schemeClr val="bg2">
-              <a:lumMod val="20000"/>
-              <a:lumOff val="80000"/>
-            </a:schemeClr>
-          </a:solidFill>
-          <a:ln w="9525" cap="flat" cmpd="sng" algn="ctr">
-            <a:noFill/>
-            <a:prstDash val="solid"/>
-            <a:round/>
-            <a:headEnd type="none" w="med" len="med"/>
-            <a:tailEnd type="none" w="med" len="med"/>
-          </a:ln>
-          <a:effectLst/>
-          <a:extLst/>
-        </p:spPr>
-        <p:txBody>
-          <a:bodyPr vert="horz" wrap="square" lIns="91440" tIns="45720" rIns="91440" bIns="45720" numCol="1" rtlCol="0" anchor="t" anchorCtr="0" compatLnSpc="1">
-            <a:prstTxWarp prst="textNoShape">
-              <a:avLst/>
-            </a:prstTxWarp>
-          </a:bodyPr>
-          <a:lstStyle/>
-          <a:p>
-            <a:endParaRPr lang="zh-CN" altLang="en-US" dirty="0" smtClean="0">
-              <a:solidFill>
-                <a:srgbClr val="C4261D"/>
-              </a:solidFill>
-            </a:endParaRPr>
-          </a:p>
-        </p:txBody>
-      </p:sp>
-      <p:sp>
-        <p:nvSpPr>
-          <p:cNvPr id="27" name="矩形 26"/>
-          <p:cNvSpPr/>
-          <p:nvPr/>
-        </p:nvSpPr>
-        <p:spPr bwMode="auto">
-          <a:xfrm>
-            <a:off x="0" y="238581"/>
-            <a:ext cx="409749" cy="333328"/>
-          </a:xfrm>
-          <a:prstGeom prst="rect">
-            <a:avLst/>
-          </a:prstGeom>
-          <a:solidFill>
-            <a:schemeClr val="bg1"/>
-          </a:solidFill>
-          <a:ln w="9525" cap="flat" cmpd="sng" algn="ctr">
-            <a:noFill/>
-            <a:prstDash val="solid"/>
-            <a:round/>
-            <a:headEnd type="none" w="med" len="med"/>
-            <a:tailEnd type="none" w="med" len="med"/>
-          </a:ln>
-          <a:effectLst/>
-          <a:extLst/>
-        </p:spPr>
-        <p:txBody>
-          <a:bodyPr vert="horz" wrap="square" lIns="91440" tIns="45720" rIns="91440" bIns="45720" numCol="1" rtlCol="0" anchor="t" anchorCtr="0" compatLnSpc="1">
-            <a:prstTxWarp prst="textNoShape">
-              <a:avLst/>
-            </a:prstTxWarp>
-          </a:bodyPr>
-          <a:lstStyle/>
-          <a:p>
-            <a:endParaRPr lang="zh-CN" altLang="en-US" smtClean="0">
-              <a:solidFill>
-                <a:srgbClr val="C4261D"/>
-              </a:solidFill>
-            </a:endParaRPr>
-          </a:p>
-        </p:txBody>
-      </p:sp>
-      <p:sp>
-        <p:nvSpPr>
-          <p:cNvPr id="6" name="矩形 5"/>
-          <p:cNvSpPr/>
-          <p:nvPr/>
-        </p:nvSpPr>
-        <p:spPr bwMode="auto">
-          <a:xfrm>
-            <a:off x="1417861" y="2597823"/>
-            <a:ext cx="9505056" cy="1263225"/>
-          </a:xfrm>
-          <a:prstGeom prst="rect">
-            <a:avLst/>
-          </a:prstGeom>
-          <a:solidFill>
-            <a:schemeClr val="tx1"/>
-          </a:solidFill>
-          <a:ln w="9525" cap="flat" cmpd="sng" algn="ctr">
-            <a:noFill/>
-            <a:prstDash val="solid"/>
-            <a:round/>
-            <a:headEnd type="none" w="med" len="med"/>
-            <a:tailEnd type="none" w="med" len="med"/>
-          </a:ln>
-          <a:effectLst/>
-          <a:extLst/>
-        </p:spPr>
-        <p:txBody>
-          <a:bodyPr vert="horz" wrap="square" lIns="91440" tIns="45720" rIns="91440" bIns="45720" numCol="1" rtlCol="0" anchor="t" anchorCtr="0" compatLnSpc="1">
-            <a:prstTxWarp prst="textNoShape">
-              <a:avLst/>
-            </a:prstTxWarp>
-          </a:bodyPr>
-          <a:lstStyle/>
-          <a:p>
-            <a:pPr algn="ctr"/>
-            <a:r>
-              <a:rPr lang="zh-CN" altLang="en-US" sz="6600" i="1" dirty="0" smtClean="0">
-                <a:solidFill>
-                  <a:srgbClr val="F8F8F8"/>
-                </a:solidFill>
-                <a:latin typeface="微软雅黑"/>
-                <a:ea typeface="微软雅黑"/>
-              </a:rPr>
-              <a:t>多线程</a:t>
-            </a:r>
-          </a:p>
-        </p:txBody>
-      </p:sp>
-    </p:spTree>
-    <p:extLst>
-      <p:ext uri="{BB962C8B-B14F-4D97-AF65-F5344CB8AC3E}">
-        <p14:creationId xmlns:p14="http://schemas.microsoft.com/office/powerpoint/2010/main" val="38380432"/>
-      </p:ext>
-    </p:extLst>
-  </p:cSld>
-  <p:clrMapOvr>
-    <a:masterClrMapping/>
-  </p:clrMapOvr>
-  <p:transition spd="slow" advTm="7876">
-    <p:wipe/>
-  </p:transition>
-  <p:timing>
-    <p:tnLst>
-      <p:par>
-        <p:cTn id="1" dur="indefinite" restart="never" nodeType="tmRoot">
-          <p:childTnLst>
-            <p:seq concurrent="1" nextAc="seek">
-              <p:cTn id="2" dur="indefinite" nodeType="mainSeq">
-                <p:childTnLst>
-                  <p:par>
-                    <p:cTn id="3" fill="hold">
-                      <p:stCondLst>
-                        <p:cond delay="indefinite"/>
-                        <p:cond evt="onBegin" delay="0">
-                          <p:tn val="2"/>
-                        </p:cond>
-                      </p:stCondLst>
-                      <p:childTnLst>
-                        <p:par>
-                          <p:cTn id="4" fill="hold">
-                            <p:stCondLst>
-                              <p:cond delay="0"/>
-                            </p:stCondLst>
-                            <p:childTnLst>
-                              <p:par>
-                                <p:cTn id="5" presetID="2" presetClass="entr" presetSubtype="8" fill="hold" grpId="0" nodeType="afterEffect">
-                                  <p:stCondLst>
-                                    <p:cond delay="0"/>
-                                  </p:stCondLst>
-                                  <p:childTnLst>
-                                    <p:set>
-                                      <p:cBhvr>
-                                        <p:cTn id="6" dur="1" fill="hold">
-                                          <p:stCondLst>
-                                            <p:cond delay="0"/>
-                                          </p:stCondLst>
-                                        </p:cTn>
-                                        <p:tgtEl>
-                                          <p:spTgt spid="27"/>
-                                        </p:tgtEl>
-                                        <p:attrNameLst>
-                                          <p:attrName>style.visibility</p:attrName>
-                                        </p:attrNameLst>
-                                      </p:cBhvr>
-                                      <p:to>
-                                        <p:strVal val="visible"/>
-                                      </p:to>
-                                    </p:set>
-                                    <p:anim calcmode="lin" valueType="num">
-                                      <p:cBhvr additive="base">
-                                        <p:cTn id="7" dur="300" fill="hold"/>
-                                        <p:tgtEl>
-                                          <p:spTgt spid="27"/>
-                                        </p:tgtEl>
-                                        <p:attrNameLst>
-                                          <p:attrName>ppt_x</p:attrName>
-                                        </p:attrNameLst>
-                                      </p:cBhvr>
-                                      <p:tavLst>
-                                        <p:tav tm="0">
-                                          <p:val>
-                                            <p:strVal val="0-#ppt_w/2"/>
-                                          </p:val>
-                                        </p:tav>
-                                        <p:tav tm="100000">
-                                          <p:val>
-                                            <p:strVal val="#ppt_x"/>
-                                          </p:val>
-                                        </p:tav>
-                                      </p:tavLst>
-                                    </p:anim>
-                                    <p:anim calcmode="lin" valueType="num">
-                                      <p:cBhvr additive="base">
-                                        <p:cTn id="8" dur="300" fill="hold"/>
-                                        <p:tgtEl>
-                                          <p:spTgt spid="27"/>
-                                        </p:tgtEl>
-                                        <p:attrNameLst>
-                                          <p:attrName>ppt_y</p:attrName>
-                                        </p:attrNameLst>
-                                      </p:cBhvr>
-                                      <p:tavLst>
-                                        <p:tav tm="0">
-                                          <p:val>
-                                            <p:strVal val="#ppt_y"/>
-                                          </p:val>
-                                        </p:tav>
-                                        <p:tav tm="100000">
-                                          <p:val>
-                                            <p:strVal val="#ppt_y"/>
-                                          </p:val>
-                                        </p:tav>
-                                      </p:tavLst>
-                                    </p:anim>
-                                  </p:childTnLst>
-                                </p:cTn>
-                              </p:par>
-                            </p:childTnLst>
-                          </p:cTn>
-                        </p:par>
-                        <p:par>
-                          <p:cTn id="9" fill="hold">
-                            <p:stCondLst>
-                              <p:cond delay="300"/>
-                            </p:stCondLst>
-                            <p:childTnLst>
-                              <p:par>
-                                <p:cTn id="10" presetID="22" presetClass="entr" presetSubtype="2" fill="hold" grpId="0" nodeType="afterEffect">
-                                  <p:stCondLst>
-                                    <p:cond delay="0"/>
-                                  </p:stCondLst>
-                                  <p:childTnLst>
-                                    <p:set>
-                                      <p:cBhvr>
-                                        <p:cTn id="11" dur="1" fill="hold">
-                                          <p:stCondLst>
-                                            <p:cond delay="0"/>
-                                          </p:stCondLst>
-                                        </p:cTn>
-                                        <p:tgtEl>
-                                          <p:spTgt spid="6"/>
-                                        </p:tgtEl>
-                                        <p:attrNameLst>
-                                          <p:attrName>style.visibility</p:attrName>
-                                        </p:attrNameLst>
-                                      </p:cBhvr>
-                                      <p:to>
-                                        <p:strVal val="visible"/>
-                                      </p:to>
-                                    </p:set>
-                                    <p:animEffect transition="in" filter="wipe(right)">
-                                      <p:cBhvr>
-                                        <p:cTn id="12" dur="500"/>
-                                        <p:tgtEl>
-                                          <p:spTgt spid="6"/>
-                                        </p:tgtEl>
-                                      </p:cBhvr>
-                                    </p:animEffect>
-                                  </p:childTnLst>
-                                </p:cTn>
-                              </p:par>
-                            </p:childTnLst>
-                          </p:cTn>
-                        </p:par>
-                      </p:childTnLst>
-                    </p:cTn>
-                  </p:par>
-                </p:childTnLst>
-              </p:cTn>
-              <p:prevCondLst>
-                <p:cond evt="onPrev" delay="0">
-                  <p:tgtEl>
-                    <p:sldTgt/>
-                  </p:tgtEl>
-                </p:cond>
-              </p:prevCondLst>
-              <p:nextCondLst>
-                <p:cond evt="onNext" delay="0">
-                  <p:tgtEl>
-                    <p:sldTgt/>
-                  </p:tgtEl>
-                </p:cond>
-              </p:nextCondLst>
-            </p:seq>
-          </p:childTnLst>
-        </p:cTn>
-      </p:par>
-    </p:tnLst>
-    <p:bldLst>
-      <p:bldP spid="27" grpId="0" animBg="1"/>
-      <p:bldP spid="6" grpId="0" animBg="1"/>
-    </p:bldLst>
-  </p:timing>
-</p:sld>
-</file>
-
 <file path=ppt/slides/slide4.xml><?xml version="1.0" encoding="utf-8"?>
 <p:sld xmlns:a="http://schemas.openxmlformats.org/drawingml/2006/main" xmlns:r="http://schemas.openxmlformats.org/officeDocument/2006/relationships" xmlns:p="http://schemas.openxmlformats.org/presentationml/2006/main">
   <p:cSld>
@@ -26608,7 +27077,7 @@
         <p:spPr>
           <a:xfrm>
             <a:off x="434670" y="174412"/>
-            <a:ext cx="1595309" cy="430887"/>
+            <a:ext cx="10905550" cy="430887"/>
           </a:xfrm>
           <a:prstGeom prst="rect">
             <a:avLst/>
@@ -26632,7 +27101,7 @@
                 <a:latin typeface="微软雅黑"/>
                 <a:ea typeface="微软雅黑"/>
               </a:rPr>
-              <a:t>进程、线程</a:t>
+              <a:t>进程（程序运行起来，就是进程；计算机同时运行多个程序，即多个进程并发执行。）</a:t>
             </a:r>
             <a:endParaRPr lang="zh-CN" altLang="en-US" sz="2200" dirty="0">
               <a:solidFill>
@@ -27043,6 +27512,520 @@
 </file>
 
 <file path=ppt/slides/slide5.xml><?xml version="1.0" encoding="utf-8"?>
+<p:sld xmlns:a="http://schemas.openxmlformats.org/drawingml/2006/main" xmlns:r="http://schemas.openxmlformats.org/officeDocument/2006/relationships" xmlns:p="http://schemas.openxmlformats.org/presentationml/2006/main">
+  <p:cSld>
+    <p:bg>
+      <p:bgPr>
+        <a:solidFill>
+          <a:srgbClr val="AF2019"/>
+        </a:solidFill>
+        <a:effectLst/>
+      </p:bgPr>
+    </p:bg>
+    <p:spTree>
+      <p:nvGrpSpPr>
+        <p:cNvPr id="1" name=""/>
+        <p:cNvGrpSpPr/>
+        <p:nvPr/>
+      </p:nvGrpSpPr>
+      <p:grpSpPr>
+        <a:xfrm>
+          <a:off x="0" y="0"/>
+          <a:ext cx="0" cy="0"/>
+          <a:chOff x="0" y="0"/>
+          <a:chExt cx="0" cy="0"/>
+        </a:xfrm>
+      </p:grpSpPr>
+      <p:sp>
+        <p:nvSpPr>
+          <p:cNvPr id="22" name="矩形 21"/>
+          <p:cNvSpPr/>
+          <p:nvPr/>
+        </p:nvSpPr>
+        <p:spPr bwMode="auto">
+          <a:xfrm>
+            <a:off x="0" y="666517"/>
+            <a:ext cx="12196763" cy="6002843"/>
+          </a:xfrm>
+          <a:prstGeom prst="rect">
+            <a:avLst/>
+          </a:prstGeom>
+          <a:solidFill>
+            <a:schemeClr val="bg2">
+              <a:lumMod val="20000"/>
+              <a:lumOff val="80000"/>
+            </a:schemeClr>
+          </a:solidFill>
+          <a:ln w="9525" cap="flat" cmpd="sng" algn="ctr">
+            <a:noFill/>
+            <a:prstDash val="solid"/>
+            <a:round/>
+            <a:headEnd type="none" w="med" len="med"/>
+            <a:tailEnd type="none" w="med" len="med"/>
+          </a:ln>
+          <a:effectLst/>
+          <a:extLst/>
+        </p:spPr>
+        <p:txBody>
+          <a:bodyPr vert="horz" wrap="square" lIns="91440" tIns="45720" rIns="91440" bIns="45720" numCol="1" rtlCol="0" anchor="t" anchorCtr="0" compatLnSpc="1">
+            <a:prstTxWarp prst="textNoShape">
+              <a:avLst/>
+            </a:prstTxWarp>
+          </a:bodyPr>
+          <a:lstStyle/>
+          <a:p>
+            <a:endParaRPr lang="zh-CN" altLang="en-US" dirty="0" smtClean="0">
+              <a:solidFill>
+                <a:srgbClr val="C4261D"/>
+              </a:solidFill>
+            </a:endParaRPr>
+          </a:p>
+        </p:txBody>
+      </p:sp>
+      <p:sp>
+        <p:nvSpPr>
+          <p:cNvPr id="77" name="TextBox 76"/>
+          <p:cNvSpPr txBox="1"/>
+          <p:nvPr/>
+        </p:nvSpPr>
+        <p:spPr>
+          <a:xfrm>
+            <a:off x="434670" y="174412"/>
+            <a:ext cx="7802136" cy="430887"/>
+          </a:xfrm>
+          <a:prstGeom prst="rect">
+            <a:avLst/>
+          </a:prstGeom>
+          <a:noFill/>
+        </p:spPr>
+        <p:txBody>
+          <a:bodyPr wrap="none" rtlCol="0">
+            <a:spAutoFit/>
+          </a:bodyPr>
+          <a:lstStyle/>
+          <a:p>
+            <a:r>
+              <a:rPr lang="zh-CN" altLang="en-US" sz="2200" dirty="0" smtClean="0">
+                <a:solidFill>
+                  <a:srgbClr val="C2C1C1">
+                    <a:lumMod val="20000"/>
+                    <a:lumOff val="80000"/>
+                  </a:srgbClr>
+                </a:solidFill>
+                <a:latin typeface="微软雅黑"/>
+                <a:ea typeface="微软雅黑"/>
+              </a:rPr>
+              <a:t>线程（进一步讲，线程是进程内部可以并发执行的调度单位）</a:t>
+            </a:r>
+            <a:endParaRPr lang="zh-CN" altLang="en-US" sz="2200" dirty="0">
+              <a:solidFill>
+                <a:srgbClr val="C2C1C1">
+                  <a:lumMod val="20000"/>
+                  <a:lumOff val="80000"/>
+                </a:srgbClr>
+              </a:solidFill>
+              <a:latin typeface="微软雅黑"/>
+              <a:ea typeface="微软雅黑"/>
+            </a:endParaRPr>
+          </a:p>
+        </p:txBody>
+      </p:sp>
+      <p:sp>
+        <p:nvSpPr>
+          <p:cNvPr id="27" name="矩形 26"/>
+          <p:cNvSpPr/>
+          <p:nvPr/>
+        </p:nvSpPr>
+        <p:spPr bwMode="auto">
+          <a:xfrm>
+            <a:off x="0" y="238581"/>
+            <a:ext cx="409749" cy="333328"/>
+          </a:xfrm>
+          <a:prstGeom prst="rect">
+            <a:avLst/>
+          </a:prstGeom>
+          <a:solidFill>
+            <a:schemeClr val="bg1"/>
+          </a:solidFill>
+          <a:ln w="9525" cap="flat" cmpd="sng" algn="ctr">
+            <a:noFill/>
+            <a:prstDash val="solid"/>
+            <a:round/>
+            <a:headEnd type="none" w="med" len="med"/>
+            <a:tailEnd type="none" w="med" len="med"/>
+          </a:ln>
+          <a:effectLst/>
+          <a:extLst/>
+        </p:spPr>
+        <p:txBody>
+          <a:bodyPr vert="horz" wrap="square" lIns="91440" tIns="45720" rIns="91440" bIns="45720" numCol="1" rtlCol="0" anchor="t" anchorCtr="0" compatLnSpc="1">
+            <a:prstTxWarp prst="textNoShape">
+              <a:avLst/>
+            </a:prstTxWarp>
+          </a:bodyPr>
+          <a:lstStyle/>
+          <a:p>
+            <a:endParaRPr lang="zh-CN" altLang="en-US" smtClean="0">
+              <a:solidFill>
+                <a:srgbClr val="C4261D"/>
+              </a:solidFill>
+            </a:endParaRPr>
+          </a:p>
+        </p:txBody>
+      </p:sp>
+      <p:pic>
+        <p:nvPicPr>
+          <p:cNvPr id="1026" name="Picture 2"/>
+          <p:cNvPicPr>
+            <a:picLocks noChangeAspect="1" noChangeArrowheads="1"/>
+          </p:cNvPicPr>
+          <p:nvPr/>
+        </p:nvPicPr>
+        <p:blipFill>
+          <a:blip r:embed="rId3">
+            <a:extLst>
+              <a:ext uri="{28A0092B-C50C-407E-A947-70E740481C1C}">
+                <a14:useLocalDpi xmlns:a14="http://schemas.microsoft.com/office/drawing/2010/main" val="0"/>
+              </a:ext>
+            </a:extLst>
+          </a:blip>
+          <a:srcRect/>
+          <a:stretch>
+            <a:fillRect/>
+          </a:stretch>
+        </p:blipFill>
+        <p:spPr bwMode="auto">
+          <a:xfrm>
+            <a:off x="2714005" y="1739968"/>
+            <a:ext cx="6552728" cy="3781731"/>
+          </a:xfrm>
+          <a:prstGeom prst="rect">
+            <a:avLst/>
+          </a:prstGeom>
+          <a:noFill/>
+          <a:ln>
+            <a:noFill/>
+          </a:ln>
+          <a:extLst>
+            <a:ext uri="{909E8E84-426E-40DD-AFC4-6F175D3DCCD1}">
+              <a14:hiddenFill xmlns:a14="http://schemas.microsoft.com/office/drawing/2010/main">
+                <a:solidFill>
+                  <a:schemeClr val="accent1"/>
+                </a:solidFill>
+              </a14:hiddenFill>
+            </a:ext>
+            <a:ext uri="{91240B29-F687-4F45-9708-019B960494DF}">
+              <a14:hiddenLine xmlns:a14="http://schemas.microsoft.com/office/drawing/2010/main" w="9525">
+                <a:solidFill>
+                  <a:schemeClr val="tx1"/>
+                </a:solidFill>
+                <a:miter lim="800000"/>
+                <a:headEnd/>
+                <a:tailEnd/>
+              </a14:hiddenLine>
+            </a:ext>
+          </a:extLst>
+        </p:spPr>
+      </p:pic>
+    </p:spTree>
+    <p:extLst>
+      <p:ext uri="{BB962C8B-B14F-4D97-AF65-F5344CB8AC3E}">
+        <p14:creationId xmlns:p14="http://schemas.microsoft.com/office/powerpoint/2010/main" val="559190065"/>
+      </p:ext>
+    </p:extLst>
+  </p:cSld>
+  <p:clrMapOvr>
+    <a:masterClrMapping/>
+  </p:clrMapOvr>
+  <p:transition spd="slow" advTm="7876">
+    <p:wipe/>
+  </p:transition>
+  <p:timing>
+    <p:tnLst>
+      <p:par>
+        <p:cTn id="1" dur="indefinite" restart="never" nodeType="tmRoot">
+          <p:childTnLst>
+            <p:seq concurrent="1" nextAc="seek">
+              <p:cTn id="2" dur="indefinite" nodeType="mainSeq">
+                <p:childTnLst>
+                  <p:par>
+                    <p:cTn id="3" fill="hold">
+                      <p:stCondLst>
+                        <p:cond delay="indefinite"/>
+                        <p:cond evt="onBegin" delay="0">
+                          <p:tn val="2"/>
+                        </p:cond>
+                      </p:stCondLst>
+                      <p:childTnLst>
+                        <p:par>
+                          <p:cTn id="4" fill="hold">
+                            <p:stCondLst>
+                              <p:cond delay="0"/>
+                            </p:stCondLst>
+                            <p:childTnLst>
+                              <p:par>
+                                <p:cTn id="5" presetID="2" presetClass="entr" presetSubtype="8" fill="hold" grpId="0" nodeType="afterEffect">
+                                  <p:stCondLst>
+                                    <p:cond delay="0"/>
+                                  </p:stCondLst>
+                                  <p:childTnLst>
+                                    <p:set>
+                                      <p:cBhvr>
+                                        <p:cTn id="6" dur="1" fill="hold">
+                                          <p:stCondLst>
+                                            <p:cond delay="0"/>
+                                          </p:stCondLst>
+                                        </p:cTn>
+                                        <p:tgtEl>
+                                          <p:spTgt spid="27"/>
+                                        </p:tgtEl>
+                                        <p:attrNameLst>
+                                          <p:attrName>style.visibility</p:attrName>
+                                        </p:attrNameLst>
+                                      </p:cBhvr>
+                                      <p:to>
+                                        <p:strVal val="visible"/>
+                                      </p:to>
+                                    </p:set>
+                                    <p:anim calcmode="lin" valueType="num">
+                                      <p:cBhvr additive="base">
+                                        <p:cTn id="7" dur="300" fill="hold"/>
+                                        <p:tgtEl>
+                                          <p:spTgt spid="27"/>
+                                        </p:tgtEl>
+                                        <p:attrNameLst>
+                                          <p:attrName>ppt_x</p:attrName>
+                                        </p:attrNameLst>
+                                      </p:cBhvr>
+                                      <p:tavLst>
+                                        <p:tav tm="0">
+                                          <p:val>
+                                            <p:strVal val="0-#ppt_w/2"/>
+                                          </p:val>
+                                        </p:tav>
+                                        <p:tav tm="100000">
+                                          <p:val>
+                                            <p:strVal val="#ppt_x"/>
+                                          </p:val>
+                                        </p:tav>
+                                      </p:tavLst>
+                                    </p:anim>
+                                    <p:anim calcmode="lin" valueType="num">
+                                      <p:cBhvr additive="base">
+                                        <p:cTn id="8" dur="300" fill="hold"/>
+                                        <p:tgtEl>
+                                          <p:spTgt spid="27"/>
+                                        </p:tgtEl>
+                                        <p:attrNameLst>
+                                          <p:attrName>ppt_y</p:attrName>
+                                        </p:attrNameLst>
+                                      </p:cBhvr>
+                                      <p:tavLst>
+                                        <p:tav tm="0">
+                                          <p:val>
+                                            <p:strVal val="#ppt_y"/>
+                                          </p:val>
+                                        </p:tav>
+                                        <p:tav tm="100000">
+                                          <p:val>
+                                            <p:strVal val="#ppt_y"/>
+                                          </p:val>
+                                        </p:tav>
+                                      </p:tavLst>
+                                    </p:anim>
+                                  </p:childTnLst>
+                                </p:cTn>
+                              </p:par>
+                            </p:childTnLst>
+                          </p:cTn>
+                        </p:par>
+                        <p:par>
+                          <p:cTn id="9" fill="hold">
+                            <p:stCondLst>
+                              <p:cond delay="300"/>
+                            </p:stCondLst>
+                            <p:childTnLst>
+                              <p:par>
+                                <p:cTn id="10" presetID="41" presetClass="entr" presetSubtype="0" fill="hold" grpId="0" nodeType="afterEffect">
+                                  <p:stCondLst>
+                                    <p:cond delay="0"/>
+                                  </p:stCondLst>
+                                  <p:iterate type="lt">
+                                    <p:tmPct val="10000"/>
+                                  </p:iterate>
+                                  <p:childTnLst>
+                                    <p:set>
+                                      <p:cBhvr>
+                                        <p:cTn id="11" dur="1" fill="hold">
+                                          <p:stCondLst>
+                                            <p:cond delay="0"/>
+                                          </p:stCondLst>
+                                        </p:cTn>
+                                        <p:tgtEl>
+                                          <p:spTgt spid="77"/>
+                                        </p:tgtEl>
+                                        <p:attrNameLst>
+                                          <p:attrName>style.visibility</p:attrName>
+                                        </p:attrNameLst>
+                                      </p:cBhvr>
+                                      <p:to>
+                                        <p:strVal val="visible"/>
+                                      </p:to>
+                                    </p:set>
+                                    <p:anim calcmode="lin" valueType="num">
+                                      <p:cBhvr>
+                                        <p:cTn id="12" dur="400" fill="hold"/>
+                                        <p:tgtEl>
+                                          <p:spTgt spid="77"/>
+                                        </p:tgtEl>
+                                        <p:attrNameLst>
+                                          <p:attrName>ppt_x</p:attrName>
+                                        </p:attrNameLst>
+                                      </p:cBhvr>
+                                      <p:tavLst>
+                                        <p:tav tm="0">
+                                          <p:val>
+                                            <p:strVal val="#ppt_x"/>
+                                          </p:val>
+                                        </p:tav>
+                                        <p:tav tm="50000">
+                                          <p:val>
+                                            <p:strVal val="#ppt_x+.1"/>
+                                          </p:val>
+                                        </p:tav>
+                                        <p:tav tm="100000">
+                                          <p:val>
+                                            <p:strVal val="#ppt_x"/>
+                                          </p:val>
+                                        </p:tav>
+                                      </p:tavLst>
+                                    </p:anim>
+                                    <p:anim calcmode="lin" valueType="num">
+                                      <p:cBhvr>
+                                        <p:cTn id="13" dur="400" fill="hold"/>
+                                        <p:tgtEl>
+                                          <p:spTgt spid="77"/>
+                                        </p:tgtEl>
+                                        <p:attrNameLst>
+                                          <p:attrName>ppt_y</p:attrName>
+                                        </p:attrNameLst>
+                                      </p:cBhvr>
+                                      <p:tavLst>
+                                        <p:tav tm="0">
+                                          <p:val>
+                                            <p:strVal val="#ppt_y"/>
+                                          </p:val>
+                                        </p:tav>
+                                        <p:tav tm="100000">
+                                          <p:val>
+                                            <p:strVal val="#ppt_y"/>
+                                          </p:val>
+                                        </p:tav>
+                                      </p:tavLst>
+                                    </p:anim>
+                                    <p:anim calcmode="lin" valueType="num">
+                                      <p:cBhvr>
+                                        <p:cTn id="14" dur="400" fill="hold"/>
+                                        <p:tgtEl>
+                                          <p:spTgt spid="77"/>
+                                        </p:tgtEl>
+                                        <p:attrNameLst>
+                                          <p:attrName>ppt_h</p:attrName>
+                                        </p:attrNameLst>
+                                      </p:cBhvr>
+                                      <p:tavLst>
+                                        <p:tav tm="0">
+                                          <p:val>
+                                            <p:strVal val="#ppt_h/10"/>
+                                          </p:val>
+                                        </p:tav>
+                                        <p:tav tm="50000">
+                                          <p:val>
+                                            <p:strVal val="#ppt_h+.01"/>
+                                          </p:val>
+                                        </p:tav>
+                                        <p:tav tm="100000">
+                                          <p:val>
+                                            <p:strVal val="#ppt_h"/>
+                                          </p:val>
+                                        </p:tav>
+                                      </p:tavLst>
+                                    </p:anim>
+                                    <p:anim calcmode="lin" valueType="num">
+                                      <p:cBhvr>
+                                        <p:cTn id="15" dur="400" fill="hold"/>
+                                        <p:tgtEl>
+                                          <p:spTgt spid="77"/>
+                                        </p:tgtEl>
+                                        <p:attrNameLst>
+                                          <p:attrName>ppt_w</p:attrName>
+                                        </p:attrNameLst>
+                                      </p:cBhvr>
+                                      <p:tavLst>
+                                        <p:tav tm="0">
+                                          <p:val>
+                                            <p:strVal val="#ppt_w/10"/>
+                                          </p:val>
+                                        </p:tav>
+                                        <p:tav tm="50000">
+                                          <p:val>
+                                            <p:strVal val="#ppt_w+.01"/>
+                                          </p:val>
+                                        </p:tav>
+                                        <p:tav tm="100000">
+                                          <p:val>
+                                            <p:strVal val="#ppt_w"/>
+                                          </p:val>
+                                        </p:tav>
+                                      </p:tavLst>
+                                    </p:anim>
+                                    <p:animEffect transition="in" filter="fade">
+                                      <p:cBhvr>
+                                        <p:cTn id="16" dur="400" tmFilter="0,0; .5, 1; 1, 1"/>
+                                        <p:tgtEl>
+                                          <p:spTgt spid="77"/>
+                                        </p:tgtEl>
+                                      </p:cBhvr>
+                                    </p:animEffect>
+                                  </p:childTnLst>
+                                </p:cTn>
+                              </p:par>
+                            </p:childTnLst>
+                          </p:cTn>
+                        </p:par>
+                      </p:childTnLst>
+                    </p:cTn>
+                  </p:par>
+                </p:childTnLst>
+              </p:cTn>
+              <p:prevCondLst>
+                <p:cond evt="onPrev" delay="0">
+                  <p:tgtEl>
+                    <p:sldTgt/>
+                  </p:tgtEl>
+                </p:cond>
+              </p:prevCondLst>
+              <p:nextCondLst>
+                <p:cond evt="onNext" delay="0">
+                  <p:tgtEl>
+                    <p:sldTgt/>
+                  </p:tgtEl>
+                </p:cond>
+              </p:nextCondLst>
+            </p:seq>
+          </p:childTnLst>
+        </p:cTn>
+      </p:par>
+    </p:tnLst>
+    <p:bldLst>
+      <p:bldP spid="77" grpId="0"/>
+      <p:bldP spid="27" grpId="0" animBg="1"/>
+    </p:bldLst>
+  </p:timing>
+</p:sld>
+</file>
+
+<file path=ppt/slides/slide6.xml><?xml version="1.0" encoding="utf-8"?>
 <p:sld xmlns:a="http://schemas.openxmlformats.org/drawingml/2006/main" xmlns:r="http://schemas.openxmlformats.org/officeDocument/2006/relationships" xmlns:p="http://schemas.openxmlformats.org/presentationml/2006/main">
   <p:cSld>
     <p:bg>
@@ -27393,7 +28376,7 @@
 </p:sld>
 </file>
 
-<file path=ppt/slides/slide6.xml><?xml version="1.0" encoding="utf-8"?>
+<file path=ppt/slides/slide7.xml><?xml version="1.0" encoding="utf-8"?>
 <p:sld xmlns:a="http://schemas.openxmlformats.org/drawingml/2006/main" xmlns:r="http://schemas.openxmlformats.org/officeDocument/2006/relationships" xmlns:p="http://schemas.openxmlformats.org/presentationml/2006/main">
   <p:cSld>
     <p:bg>
@@ -27888,7 +28871,7 @@
 </p:sld>
 </file>
 
-<file path=ppt/slides/slide7.xml><?xml version="1.0" encoding="utf-8"?>
+<file path=ppt/slides/slide8.xml><?xml version="1.0" encoding="utf-8"?>
 <p:sld xmlns:a="http://schemas.openxmlformats.org/drawingml/2006/main" xmlns:r="http://schemas.openxmlformats.org/officeDocument/2006/relationships" xmlns:p="http://schemas.openxmlformats.org/presentationml/2006/main">
   <p:cSld>
     <p:bg>
@@ -28415,7 +29398,7 @@
 </p:sld>
 </file>
 
-<file path=ppt/slides/slide8.xml><?xml version="1.0" encoding="utf-8"?>
+<file path=ppt/slides/slide9.xml><?xml version="1.0" encoding="utf-8"?>
 <p:sld xmlns:a="http://schemas.openxmlformats.org/drawingml/2006/main" xmlns:r="http://schemas.openxmlformats.org/officeDocument/2006/relationships" xmlns:p="http://schemas.openxmlformats.org/presentationml/2006/main">
   <p:cSld>
     <p:bg>
@@ -29017,471 +30000,6 @@
     <p:bldLst>
       <p:bldP spid="77" grpId="0"/>
       <p:bldP spid="27" grpId="0" animBg="1"/>
-    </p:bldLst>
-  </p:timing>
-</p:sld>
-</file>
-
-<file path=ppt/slides/slide9.xml><?xml version="1.0" encoding="utf-8"?>
-<p:sld xmlns:a="http://schemas.openxmlformats.org/drawingml/2006/main" xmlns:r="http://schemas.openxmlformats.org/officeDocument/2006/relationships" xmlns:p="http://schemas.openxmlformats.org/presentationml/2006/main">
-  <p:cSld>
-    <p:bg>
-      <p:bgPr>
-        <a:solidFill>
-          <a:srgbClr val="AF2019"/>
-        </a:solidFill>
-        <a:effectLst/>
-      </p:bgPr>
-    </p:bg>
-    <p:spTree>
-      <p:nvGrpSpPr>
-        <p:cNvPr id="1" name=""/>
-        <p:cNvGrpSpPr/>
-        <p:nvPr/>
-      </p:nvGrpSpPr>
-      <p:grpSpPr>
-        <a:xfrm>
-          <a:off x="0" y="0"/>
-          <a:ext cx="0" cy="0"/>
-          <a:chOff x="0" y="0"/>
-          <a:chExt cx="0" cy="0"/>
-        </a:xfrm>
-      </p:grpSpPr>
-      <p:sp>
-        <p:nvSpPr>
-          <p:cNvPr id="22" name="矩形 21"/>
-          <p:cNvSpPr/>
-          <p:nvPr/>
-        </p:nvSpPr>
-        <p:spPr bwMode="auto">
-          <a:xfrm>
-            <a:off x="0" y="666517"/>
-            <a:ext cx="12196763" cy="6002843"/>
-          </a:xfrm>
-          <a:prstGeom prst="rect">
-            <a:avLst/>
-          </a:prstGeom>
-          <a:solidFill>
-            <a:schemeClr val="bg2">
-              <a:lumMod val="20000"/>
-              <a:lumOff val="80000"/>
-            </a:schemeClr>
-          </a:solidFill>
-          <a:ln w="9525" cap="flat" cmpd="sng" algn="ctr">
-            <a:noFill/>
-            <a:prstDash val="solid"/>
-            <a:round/>
-            <a:headEnd type="none" w="med" len="med"/>
-            <a:tailEnd type="none" w="med" len="med"/>
-          </a:ln>
-          <a:effectLst/>
-          <a:extLst/>
-        </p:spPr>
-        <p:txBody>
-          <a:bodyPr vert="horz" wrap="square" lIns="91440" tIns="45720" rIns="91440" bIns="45720" numCol="1" rtlCol="0" anchor="t" anchorCtr="0" compatLnSpc="1">
-            <a:prstTxWarp prst="textNoShape">
-              <a:avLst/>
-            </a:prstTxWarp>
-          </a:bodyPr>
-          <a:lstStyle/>
-          <a:p>
-            <a:endParaRPr lang="zh-CN" altLang="en-US" dirty="0" smtClean="0">
-              <a:solidFill>
-                <a:srgbClr val="C4261D"/>
-              </a:solidFill>
-            </a:endParaRPr>
-          </a:p>
-        </p:txBody>
-      </p:sp>
-      <p:sp>
-        <p:nvSpPr>
-          <p:cNvPr id="27" name="矩形 26"/>
-          <p:cNvSpPr/>
-          <p:nvPr/>
-        </p:nvSpPr>
-        <p:spPr bwMode="auto">
-          <a:xfrm>
-            <a:off x="0" y="238581"/>
-            <a:ext cx="409749" cy="333328"/>
-          </a:xfrm>
-          <a:prstGeom prst="rect">
-            <a:avLst/>
-          </a:prstGeom>
-          <a:solidFill>
-            <a:schemeClr val="bg1"/>
-          </a:solidFill>
-          <a:ln w="9525" cap="flat" cmpd="sng" algn="ctr">
-            <a:noFill/>
-            <a:prstDash val="solid"/>
-            <a:round/>
-            <a:headEnd type="none" w="med" len="med"/>
-            <a:tailEnd type="none" w="med" len="med"/>
-          </a:ln>
-          <a:effectLst/>
-          <a:extLst/>
-        </p:spPr>
-        <p:txBody>
-          <a:bodyPr vert="horz" wrap="square" lIns="91440" tIns="45720" rIns="91440" bIns="45720" numCol="1" rtlCol="0" anchor="t" anchorCtr="0" compatLnSpc="1">
-            <a:prstTxWarp prst="textNoShape">
-              <a:avLst/>
-            </a:prstTxWarp>
-          </a:bodyPr>
-          <a:lstStyle/>
-          <a:p>
-            <a:endParaRPr lang="zh-CN" altLang="en-US" smtClean="0">
-              <a:solidFill>
-                <a:srgbClr val="C4261D"/>
-              </a:solidFill>
-            </a:endParaRPr>
-          </a:p>
-        </p:txBody>
-      </p:sp>
-      <p:sp>
-        <p:nvSpPr>
-          <p:cNvPr id="7" name="矩形 6"/>
-          <p:cNvSpPr/>
-          <p:nvPr/>
-        </p:nvSpPr>
-        <p:spPr bwMode="auto">
-          <a:xfrm>
-            <a:off x="2569989" y="2852937"/>
-            <a:ext cx="9361039" cy="815002"/>
-          </a:xfrm>
-          <a:prstGeom prst="rect">
-            <a:avLst/>
-          </a:prstGeom>
-          <a:solidFill>
-            <a:schemeClr val="tx1"/>
-          </a:solidFill>
-          <a:ln w="9525" cap="flat" cmpd="sng" algn="ctr">
-            <a:noFill/>
-            <a:prstDash val="solid"/>
-            <a:round/>
-            <a:headEnd type="none" w="med" len="med"/>
-            <a:tailEnd type="none" w="med" len="med"/>
-          </a:ln>
-          <a:effectLst/>
-          <a:extLst/>
-        </p:spPr>
-        <p:txBody>
-          <a:bodyPr vert="horz" wrap="square" lIns="91440" tIns="45720" rIns="91440" bIns="45720" numCol="1" rtlCol="0" anchor="t" anchorCtr="0" compatLnSpc="1">
-            <a:prstTxWarp prst="textNoShape">
-              <a:avLst/>
-            </a:prstTxWarp>
-          </a:bodyPr>
-          <a:lstStyle/>
-          <a:p>
-            <a:pPr algn="ctr"/>
-            <a:r>
-              <a:rPr lang="zh-CN" altLang="en-US" sz="2400" dirty="0" smtClean="0">
-                <a:solidFill>
-                  <a:srgbClr val="F8F8F8"/>
-                </a:solidFill>
-                <a:latin typeface="微软雅黑"/>
-                <a:ea typeface="微软雅黑"/>
-              </a:rPr>
-              <a:t>线程就是继承自</a:t>
-            </a:r>
-            <a:r>
-              <a:rPr lang="en-US" altLang="zh-CN" sz="2400" dirty="0" smtClean="0">
-                <a:solidFill>
-                  <a:srgbClr val="F8F8F8"/>
-                </a:solidFill>
-                <a:latin typeface="微软雅黑"/>
-                <a:ea typeface="微软雅黑"/>
-              </a:rPr>
-              <a:t>Thread</a:t>
-            </a:r>
-            <a:r>
-              <a:rPr lang="zh-CN" altLang="en-US" sz="2400" dirty="0" smtClean="0">
-                <a:solidFill>
-                  <a:srgbClr val="F8F8F8"/>
-                </a:solidFill>
-                <a:latin typeface="微软雅黑"/>
-                <a:ea typeface="微软雅黑"/>
-              </a:rPr>
-              <a:t>的子类，重写</a:t>
-            </a:r>
-            <a:r>
-              <a:rPr lang="en-US" altLang="zh-CN" sz="2400" dirty="0" smtClean="0">
-                <a:solidFill>
-                  <a:srgbClr val="F8F8F8"/>
-                </a:solidFill>
-                <a:latin typeface="微软雅黑"/>
-                <a:ea typeface="微软雅黑"/>
-              </a:rPr>
-              <a:t>run</a:t>
-            </a:r>
-            <a:r>
-              <a:rPr lang="zh-CN" altLang="en-US" sz="2400" dirty="0" smtClean="0">
-                <a:solidFill>
-                  <a:srgbClr val="F8F8F8"/>
-                </a:solidFill>
-                <a:latin typeface="微软雅黑"/>
-                <a:ea typeface="微软雅黑"/>
-              </a:rPr>
-              <a:t>方法，实例化为对象，然后调用</a:t>
-            </a:r>
-            <a:r>
-              <a:rPr lang="en-US" altLang="zh-CN" sz="2400" dirty="0" smtClean="0">
-                <a:solidFill>
-                  <a:srgbClr val="F8F8F8"/>
-                </a:solidFill>
-                <a:latin typeface="微软雅黑"/>
-                <a:ea typeface="微软雅黑"/>
-              </a:rPr>
-              <a:t>start</a:t>
-            </a:r>
-            <a:r>
-              <a:rPr lang="zh-CN" altLang="en-US" sz="2400" dirty="0" smtClean="0">
-                <a:solidFill>
-                  <a:srgbClr val="F8F8F8"/>
-                </a:solidFill>
-                <a:latin typeface="微软雅黑"/>
-                <a:ea typeface="微软雅黑"/>
-              </a:rPr>
-              <a:t>方法运行。相当于进程在此“兵分两路”。</a:t>
-            </a:r>
-          </a:p>
-        </p:txBody>
-      </p:sp>
-      <p:pic>
-        <p:nvPicPr>
-          <p:cNvPr id="4099" name="Picture 3"/>
-          <p:cNvPicPr>
-            <a:picLocks noChangeAspect="1" noChangeArrowheads="1"/>
-          </p:cNvPicPr>
-          <p:nvPr/>
-        </p:nvPicPr>
-        <p:blipFill>
-          <a:blip r:embed="rId3">
-            <a:extLst>
-              <a:ext uri="{28A0092B-C50C-407E-A947-70E740481C1C}">
-                <a14:useLocalDpi xmlns:a14="http://schemas.microsoft.com/office/drawing/2010/main" val="0"/>
-              </a:ext>
-            </a:extLst>
-          </a:blip>
-          <a:srcRect/>
-          <a:stretch>
-            <a:fillRect/>
-          </a:stretch>
-        </p:blipFill>
-        <p:spPr bwMode="auto">
-          <a:xfrm>
-            <a:off x="0" y="2144314"/>
-            <a:ext cx="2464538" cy="2232248"/>
-          </a:xfrm>
-          <a:prstGeom prst="rect">
-            <a:avLst/>
-          </a:prstGeom>
-          <a:noFill/>
-          <a:ln>
-            <a:noFill/>
-          </a:ln>
-          <a:extLst>
-            <a:ext uri="{909E8E84-426E-40DD-AFC4-6F175D3DCCD1}">
-              <a14:hiddenFill xmlns:a14="http://schemas.microsoft.com/office/drawing/2010/main">
-                <a:solidFill>
-                  <a:schemeClr val="accent1"/>
-                </a:solidFill>
-              </a14:hiddenFill>
-            </a:ext>
-            <a:ext uri="{91240B29-F687-4F45-9708-019B960494DF}">
-              <a14:hiddenLine xmlns:a14="http://schemas.microsoft.com/office/drawing/2010/main" w="9525">
-                <a:solidFill>
-                  <a:schemeClr val="tx1"/>
-                </a:solidFill>
-                <a:miter lim="800000"/>
-                <a:headEnd/>
-                <a:tailEnd/>
-              </a14:hiddenLine>
-            </a:ext>
-          </a:extLst>
-        </p:spPr>
-      </p:pic>
-    </p:spTree>
-    <p:extLst>
-      <p:ext uri="{BB962C8B-B14F-4D97-AF65-F5344CB8AC3E}">
-        <p14:creationId xmlns:p14="http://schemas.microsoft.com/office/powerpoint/2010/main" val="1775189218"/>
-      </p:ext>
-    </p:extLst>
-  </p:cSld>
-  <p:clrMapOvr>
-    <a:masterClrMapping/>
-  </p:clrMapOvr>
-  <p:transition spd="slow" advTm="7876">
-    <p:wipe/>
-  </p:transition>
-  <p:timing>
-    <p:tnLst>
-      <p:par>
-        <p:cTn id="1" dur="indefinite" restart="never" nodeType="tmRoot">
-          <p:childTnLst>
-            <p:seq concurrent="1" nextAc="seek">
-              <p:cTn id="2" dur="indefinite" nodeType="mainSeq">
-                <p:childTnLst>
-                  <p:par>
-                    <p:cTn id="3" fill="hold">
-                      <p:stCondLst>
-                        <p:cond delay="indefinite"/>
-                        <p:cond evt="onBegin" delay="0">
-                          <p:tn val="2"/>
-                        </p:cond>
-                      </p:stCondLst>
-                      <p:childTnLst>
-                        <p:par>
-                          <p:cTn id="4" fill="hold">
-                            <p:stCondLst>
-                              <p:cond delay="0"/>
-                            </p:stCondLst>
-                            <p:childTnLst>
-                              <p:par>
-                                <p:cTn id="5" presetID="2" presetClass="entr" presetSubtype="8" fill="hold" grpId="0" nodeType="afterEffect">
-                                  <p:stCondLst>
-                                    <p:cond delay="0"/>
-                                  </p:stCondLst>
-                                  <p:childTnLst>
-                                    <p:set>
-                                      <p:cBhvr>
-                                        <p:cTn id="6" dur="1" fill="hold">
-                                          <p:stCondLst>
-                                            <p:cond delay="0"/>
-                                          </p:stCondLst>
-                                        </p:cTn>
-                                        <p:tgtEl>
-                                          <p:spTgt spid="27"/>
-                                        </p:tgtEl>
-                                        <p:attrNameLst>
-                                          <p:attrName>style.visibility</p:attrName>
-                                        </p:attrNameLst>
-                                      </p:cBhvr>
-                                      <p:to>
-                                        <p:strVal val="visible"/>
-                                      </p:to>
-                                    </p:set>
-                                    <p:anim calcmode="lin" valueType="num">
-                                      <p:cBhvr additive="base">
-                                        <p:cTn id="7" dur="300" fill="hold"/>
-                                        <p:tgtEl>
-                                          <p:spTgt spid="27"/>
-                                        </p:tgtEl>
-                                        <p:attrNameLst>
-                                          <p:attrName>ppt_x</p:attrName>
-                                        </p:attrNameLst>
-                                      </p:cBhvr>
-                                      <p:tavLst>
-                                        <p:tav tm="0">
-                                          <p:val>
-                                            <p:strVal val="0-#ppt_w/2"/>
-                                          </p:val>
-                                        </p:tav>
-                                        <p:tav tm="100000">
-                                          <p:val>
-                                            <p:strVal val="#ppt_x"/>
-                                          </p:val>
-                                        </p:tav>
-                                      </p:tavLst>
-                                    </p:anim>
-                                    <p:anim calcmode="lin" valueType="num">
-                                      <p:cBhvr additive="base">
-                                        <p:cTn id="8" dur="300" fill="hold"/>
-                                        <p:tgtEl>
-                                          <p:spTgt spid="27"/>
-                                        </p:tgtEl>
-                                        <p:attrNameLst>
-                                          <p:attrName>ppt_y</p:attrName>
-                                        </p:attrNameLst>
-                                      </p:cBhvr>
-                                      <p:tavLst>
-                                        <p:tav tm="0">
-                                          <p:val>
-                                            <p:strVal val="#ppt_y"/>
-                                          </p:val>
-                                        </p:tav>
-                                        <p:tav tm="100000">
-                                          <p:val>
-                                            <p:strVal val="#ppt_y"/>
-                                          </p:val>
-                                        </p:tav>
-                                      </p:tavLst>
-                                    </p:anim>
-                                  </p:childTnLst>
-                                </p:cTn>
-                              </p:par>
-                            </p:childTnLst>
-                          </p:cTn>
-                        </p:par>
-                        <p:par>
-                          <p:cTn id="9" fill="hold">
-                            <p:stCondLst>
-                              <p:cond delay="300"/>
-                            </p:stCondLst>
-                            <p:childTnLst>
-                              <p:par>
-                                <p:cTn id="10" presetID="22" presetClass="entr" presetSubtype="2" fill="hold" grpId="0" nodeType="afterEffect">
-                                  <p:stCondLst>
-                                    <p:cond delay="0"/>
-                                  </p:stCondLst>
-                                  <p:childTnLst>
-                                    <p:set>
-                                      <p:cBhvr>
-                                        <p:cTn id="11" dur="1" fill="hold">
-                                          <p:stCondLst>
-                                            <p:cond delay="0"/>
-                                          </p:stCondLst>
-                                        </p:cTn>
-                                        <p:tgtEl>
-                                          <p:spTgt spid="7"/>
-                                        </p:tgtEl>
-                                        <p:attrNameLst>
-                                          <p:attrName>style.visibility</p:attrName>
-                                        </p:attrNameLst>
-                                      </p:cBhvr>
-                                      <p:to>
-                                        <p:strVal val="visible"/>
-                                      </p:to>
-                                    </p:set>
-                                    <p:animEffect transition="in" filter="wipe(right)">
-                                      <p:cBhvr>
-                                        <p:cTn id="12" dur="500"/>
-                                        <p:tgtEl>
-                                          <p:spTgt spid="7"/>
-                                        </p:tgtEl>
-                                      </p:cBhvr>
-                                    </p:animEffect>
-                                  </p:childTnLst>
-                                </p:cTn>
-                              </p:par>
-                            </p:childTnLst>
-                          </p:cTn>
-                        </p:par>
-                      </p:childTnLst>
-                    </p:cTn>
-                  </p:par>
-                </p:childTnLst>
-              </p:cTn>
-              <p:prevCondLst>
-                <p:cond evt="onPrev" delay="0">
-                  <p:tgtEl>
-                    <p:sldTgt/>
-                  </p:tgtEl>
-                </p:cond>
-              </p:prevCondLst>
-              <p:nextCondLst>
-                <p:cond evt="onNext" delay="0">
-                  <p:tgtEl>
-                    <p:sldTgt/>
-                  </p:tgtEl>
-                </p:cond>
-              </p:nextCondLst>
-            </p:seq>
-          </p:childTnLst>
-        </p:cTn>
-      </p:par>
-    </p:tnLst>
-    <p:bldLst>
-      <p:bldP spid="27" grpId="0" animBg="1"/>
-      <p:bldP spid="7" grpId="0" animBg="1"/>
     </p:bldLst>
   </p:timing>
 </p:sld>
